--- a/DisasterManagementPresentation.pptx
+++ b/DisasterManagementPresentation.pptx
@@ -4,13 +4,14 @@
   <p:sldMasterIdLst>
     <p:sldMasterId id="2147483648" r:id="rId1"/>
   </p:sldMasterIdLst>
+  <p:notesMasterIdLst>
+    <p:notesMasterId r:id="rId6"/>
+  </p:notesMasterIdLst>
   <p:sldIdLst>
     <p:sldId id="256" r:id="rId2"/>
-    <p:sldId id="260" r:id="rId3"/>
-    <p:sldId id="258" r:id="rId4"/>
-    <p:sldId id="259" r:id="rId5"/>
-    <p:sldId id="262" r:id="rId6"/>
-    <p:sldId id="261" r:id="rId7"/>
+    <p:sldId id="258" r:id="rId3"/>
+    <p:sldId id="262" r:id="rId4"/>
+    <p:sldId id="261" r:id="rId5"/>
   </p:sldIdLst>
   <p:sldSz cx="12192000" cy="6858000"/>
   <p:notesSz cx="6858000" cy="9144000"/>
@@ -109,7 +110,656 @@
       </a:defRPr>
     </a:lvl9pPr>
   </p:defaultTextStyle>
+  <p:extLst>
+    <p:ext uri="{EFAFB233-063F-42B5-8137-9DF3F51BA10A}">
+      <p15:sldGuideLst xmlns:p15="http://schemas.microsoft.com/office/powerpoint/2012/main"/>
+    </p:ext>
+  </p:extLst>
 </p:presentation>
+</file>
+
+<file path=ppt/notesMasters/notesMaster1.xml><?xml version="1.0" encoding="utf-8"?>
+<p:notesMaster xmlns:a="http://schemas.openxmlformats.org/drawingml/2006/main" xmlns:r="http://schemas.openxmlformats.org/officeDocument/2006/relationships" xmlns:p="http://schemas.openxmlformats.org/presentationml/2006/main">
+  <p:cSld>
+    <p:bg>
+      <p:bgRef idx="1001">
+        <a:schemeClr val="bg1"/>
+      </p:bgRef>
+    </p:bg>
+    <p:spTree>
+      <p:nvGrpSpPr>
+        <p:cNvPr id="1" name=""/>
+        <p:cNvGrpSpPr/>
+        <p:nvPr/>
+      </p:nvGrpSpPr>
+      <p:grpSpPr>
+        <a:xfrm>
+          <a:off x="0" y="0"/>
+          <a:ext cx="0" cy="0"/>
+          <a:chOff x="0" y="0"/>
+          <a:chExt cx="0" cy="0"/>
+        </a:xfrm>
+      </p:grpSpPr>
+      <p:sp>
+        <p:nvSpPr>
+          <p:cNvPr id="2" name="Header Placeholder 1"/>
+          <p:cNvSpPr>
+            <a:spLocks noGrp="1"/>
+          </p:cNvSpPr>
+          <p:nvPr>
+            <p:ph type="hdr" sz="quarter"/>
+          </p:nvPr>
+        </p:nvSpPr>
+        <p:spPr>
+          <a:xfrm>
+            <a:off x="0" y="0"/>
+            <a:ext cx="2971800" cy="458788"/>
+          </a:xfrm>
+          <a:prstGeom prst="rect">
+            <a:avLst/>
+          </a:prstGeom>
+        </p:spPr>
+        <p:txBody>
+          <a:bodyPr vert="horz" lIns="91440" tIns="45720" rIns="91440" bIns="45720" rtlCol="0"/>
+          <a:lstStyle>
+            <a:lvl1pPr algn="l">
+              <a:defRPr sz="1200"/>
+            </a:lvl1pPr>
+          </a:lstStyle>
+          <a:p>
+            <a:endParaRPr lang="en-US"/>
+          </a:p>
+        </p:txBody>
+      </p:sp>
+      <p:sp>
+        <p:nvSpPr>
+          <p:cNvPr id="3" name="Date Placeholder 2"/>
+          <p:cNvSpPr>
+            <a:spLocks noGrp="1"/>
+          </p:cNvSpPr>
+          <p:nvPr>
+            <p:ph type="dt" idx="1"/>
+          </p:nvPr>
+        </p:nvSpPr>
+        <p:spPr>
+          <a:xfrm>
+            <a:off x="3884613" y="0"/>
+            <a:ext cx="2971800" cy="458788"/>
+          </a:xfrm>
+          <a:prstGeom prst="rect">
+            <a:avLst/>
+          </a:prstGeom>
+        </p:spPr>
+        <p:txBody>
+          <a:bodyPr vert="horz" lIns="91440" tIns="45720" rIns="91440" bIns="45720" rtlCol="0"/>
+          <a:lstStyle>
+            <a:lvl1pPr algn="r">
+              <a:defRPr sz="1200"/>
+            </a:lvl1pPr>
+          </a:lstStyle>
+          <a:p>
+            <a:fld id="{4FD78728-3E6F-4345-A1D2-D8DEC8F34299}" type="datetimeFigureOut">
+              <a:rPr lang="en-US" smtClean="0"/>
+              <a:t>3/17/21</a:t>
+            </a:fld>
+            <a:endParaRPr lang="en-US"/>
+          </a:p>
+        </p:txBody>
+      </p:sp>
+      <p:sp>
+        <p:nvSpPr>
+          <p:cNvPr id="4" name="Slide Image Placeholder 3"/>
+          <p:cNvSpPr>
+            <a:spLocks noGrp="1" noRot="1" noChangeAspect="1"/>
+          </p:cNvSpPr>
+          <p:nvPr>
+            <p:ph type="sldImg" idx="2"/>
+          </p:nvPr>
+        </p:nvSpPr>
+        <p:spPr>
+          <a:xfrm>
+            <a:off x="685800" y="1143000"/>
+            <a:ext cx="5486400" cy="3086100"/>
+          </a:xfrm>
+          <a:prstGeom prst="rect">
+            <a:avLst/>
+          </a:prstGeom>
+          <a:noFill/>
+          <a:ln w="12700">
+            <a:solidFill>
+              <a:prstClr val="black"/>
+            </a:solidFill>
+          </a:ln>
+        </p:spPr>
+        <p:txBody>
+          <a:bodyPr vert="horz" lIns="91440" tIns="45720" rIns="91440" bIns="45720" rtlCol="0" anchor="ctr"/>
+          <a:lstStyle/>
+          <a:p>
+            <a:endParaRPr lang="en-US"/>
+          </a:p>
+        </p:txBody>
+      </p:sp>
+      <p:sp>
+        <p:nvSpPr>
+          <p:cNvPr id="5" name="Notes Placeholder 4"/>
+          <p:cNvSpPr>
+            <a:spLocks noGrp="1"/>
+          </p:cNvSpPr>
+          <p:nvPr>
+            <p:ph type="body" sz="quarter" idx="3"/>
+          </p:nvPr>
+        </p:nvSpPr>
+        <p:spPr>
+          <a:xfrm>
+            <a:off x="685800" y="4400550"/>
+            <a:ext cx="5486400" cy="3600450"/>
+          </a:xfrm>
+          <a:prstGeom prst="rect">
+            <a:avLst/>
+          </a:prstGeom>
+        </p:spPr>
+        <p:txBody>
+          <a:bodyPr vert="horz" lIns="91440" tIns="45720" rIns="91440" bIns="45720" rtlCol="0"/>
+          <a:lstStyle/>
+          <a:p>
+            <a:pPr lvl="0"/>
+            <a:r>
+              <a:rPr lang="en-GB"/>
+              <a:t>Click to edit Master text styles</a:t>
+            </a:r>
+          </a:p>
+          <a:p>
+            <a:pPr lvl="1"/>
+            <a:r>
+              <a:rPr lang="en-GB"/>
+              <a:t>Second level</a:t>
+            </a:r>
+          </a:p>
+          <a:p>
+            <a:pPr lvl="2"/>
+            <a:r>
+              <a:rPr lang="en-GB"/>
+              <a:t>Third level</a:t>
+            </a:r>
+          </a:p>
+          <a:p>
+            <a:pPr lvl="3"/>
+            <a:r>
+              <a:rPr lang="en-GB"/>
+              <a:t>Fourth level</a:t>
+            </a:r>
+          </a:p>
+          <a:p>
+            <a:pPr lvl="4"/>
+            <a:r>
+              <a:rPr lang="en-GB"/>
+              <a:t>Fifth level</a:t>
+            </a:r>
+            <a:endParaRPr lang="en-US"/>
+          </a:p>
+        </p:txBody>
+      </p:sp>
+      <p:sp>
+        <p:nvSpPr>
+          <p:cNvPr id="6" name="Footer Placeholder 5"/>
+          <p:cNvSpPr>
+            <a:spLocks noGrp="1"/>
+          </p:cNvSpPr>
+          <p:nvPr>
+            <p:ph type="ftr" sz="quarter" idx="4"/>
+          </p:nvPr>
+        </p:nvSpPr>
+        <p:spPr>
+          <a:xfrm>
+            <a:off x="0" y="8685213"/>
+            <a:ext cx="2971800" cy="458787"/>
+          </a:xfrm>
+          <a:prstGeom prst="rect">
+            <a:avLst/>
+          </a:prstGeom>
+        </p:spPr>
+        <p:txBody>
+          <a:bodyPr vert="horz" lIns="91440" tIns="45720" rIns="91440" bIns="45720" rtlCol="0" anchor="b"/>
+          <a:lstStyle>
+            <a:lvl1pPr algn="l">
+              <a:defRPr sz="1200"/>
+            </a:lvl1pPr>
+          </a:lstStyle>
+          <a:p>
+            <a:endParaRPr lang="en-US"/>
+          </a:p>
+        </p:txBody>
+      </p:sp>
+      <p:sp>
+        <p:nvSpPr>
+          <p:cNvPr id="7" name="Slide Number Placeholder 6"/>
+          <p:cNvSpPr>
+            <a:spLocks noGrp="1"/>
+          </p:cNvSpPr>
+          <p:nvPr>
+            <p:ph type="sldNum" sz="quarter" idx="5"/>
+          </p:nvPr>
+        </p:nvSpPr>
+        <p:spPr>
+          <a:xfrm>
+            <a:off x="3884613" y="8685213"/>
+            <a:ext cx="2971800" cy="458787"/>
+          </a:xfrm>
+          <a:prstGeom prst="rect">
+            <a:avLst/>
+          </a:prstGeom>
+        </p:spPr>
+        <p:txBody>
+          <a:bodyPr vert="horz" lIns="91440" tIns="45720" rIns="91440" bIns="45720" rtlCol="0" anchor="b"/>
+          <a:lstStyle>
+            <a:lvl1pPr algn="r">
+              <a:defRPr sz="1200"/>
+            </a:lvl1pPr>
+          </a:lstStyle>
+          <a:p>
+            <a:fld id="{E47AE529-E295-304E-A2A7-4442996F332B}" type="slidenum">
+              <a:rPr lang="en-US" smtClean="0"/>
+              <a:t>‹#›</a:t>
+            </a:fld>
+            <a:endParaRPr lang="en-US"/>
+          </a:p>
+        </p:txBody>
+      </p:sp>
+    </p:spTree>
+    <p:extLst>
+      <p:ext uri="{BB962C8B-B14F-4D97-AF65-F5344CB8AC3E}">
+        <p14:creationId xmlns:p14="http://schemas.microsoft.com/office/powerpoint/2010/main" val="50706701"/>
+      </p:ext>
+    </p:extLst>
+  </p:cSld>
+  <p:clrMap bg1="lt1" tx1="dk1" bg2="lt2" tx2="dk2" accent1="accent1" accent2="accent2" accent3="accent3" accent4="accent4" accent5="accent5" accent6="accent6" hlink="hlink" folHlink="folHlink"/>
+  <p:notesStyle>
+    <a:lvl1pPr marL="0" algn="l" defTabSz="914400" rtl="0" eaLnBrk="1" latinLnBrk="0" hangingPunct="1">
+      <a:defRPr sz="1200" kern="1200">
+        <a:solidFill>
+          <a:schemeClr val="tx1"/>
+        </a:solidFill>
+        <a:latin typeface="+mn-lt"/>
+        <a:ea typeface="+mn-ea"/>
+        <a:cs typeface="+mn-cs"/>
+      </a:defRPr>
+    </a:lvl1pPr>
+    <a:lvl2pPr marL="457200" algn="l" defTabSz="914400" rtl="0" eaLnBrk="1" latinLnBrk="0" hangingPunct="1">
+      <a:defRPr sz="1200" kern="1200">
+        <a:solidFill>
+          <a:schemeClr val="tx1"/>
+        </a:solidFill>
+        <a:latin typeface="+mn-lt"/>
+        <a:ea typeface="+mn-ea"/>
+        <a:cs typeface="+mn-cs"/>
+      </a:defRPr>
+    </a:lvl2pPr>
+    <a:lvl3pPr marL="914400" algn="l" defTabSz="914400" rtl="0" eaLnBrk="1" latinLnBrk="0" hangingPunct="1">
+      <a:defRPr sz="1200" kern="1200">
+        <a:solidFill>
+          <a:schemeClr val="tx1"/>
+        </a:solidFill>
+        <a:latin typeface="+mn-lt"/>
+        <a:ea typeface="+mn-ea"/>
+        <a:cs typeface="+mn-cs"/>
+      </a:defRPr>
+    </a:lvl3pPr>
+    <a:lvl4pPr marL="1371600" algn="l" defTabSz="914400" rtl="0" eaLnBrk="1" latinLnBrk="0" hangingPunct="1">
+      <a:defRPr sz="1200" kern="1200">
+        <a:solidFill>
+          <a:schemeClr val="tx1"/>
+        </a:solidFill>
+        <a:latin typeface="+mn-lt"/>
+        <a:ea typeface="+mn-ea"/>
+        <a:cs typeface="+mn-cs"/>
+      </a:defRPr>
+    </a:lvl4pPr>
+    <a:lvl5pPr marL="1828800" algn="l" defTabSz="914400" rtl="0" eaLnBrk="1" latinLnBrk="0" hangingPunct="1">
+      <a:defRPr sz="1200" kern="1200">
+        <a:solidFill>
+          <a:schemeClr val="tx1"/>
+        </a:solidFill>
+        <a:latin typeface="+mn-lt"/>
+        <a:ea typeface="+mn-ea"/>
+        <a:cs typeface="+mn-cs"/>
+      </a:defRPr>
+    </a:lvl5pPr>
+    <a:lvl6pPr marL="2286000" algn="l" defTabSz="914400" rtl="0" eaLnBrk="1" latinLnBrk="0" hangingPunct="1">
+      <a:defRPr sz="1200" kern="1200">
+        <a:solidFill>
+          <a:schemeClr val="tx1"/>
+        </a:solidFill>
+        <a:latin typeface="+mn-lt"/>
+        <a:ea typeface="+mn-ea"/>
+        <a:cs typeface="+mn-cs"/>
+      </a:defRPr>
+    </a:lvl6pPr>
+    <a:lvl7pPr marL="2743200" algn="l" defTabSz="914400" rtl="0" eaLnBrk="1" latinLnBrk="0" hangingPunct="1">
+      <a:defRPr sz="1200" kern="1200">
+        <a:solidFill>
+          <a:schemeClr val="tx1"/>
+        </a:solidFill>
+        <a:latin typeface="+mn-lt"/>
+        <a:ea typeface="+mn-ea"/>
+        <a:cs typeface="+mn-cs"/>
+      </a:defRPr>
+    </a:lvl7pPr>
+    <a:lvl8pPr marL="3200400" algn="l" defTabSz="914400" rtl="0" eaLnBrk="1" latinLnBrk="0" hangingPunct="1">
+      <a:defRPr sz="1200" kern="1200">
+        <a:solidFill>
+          <a:schemeClr val="tx1"/>
+        </a:solidFill>
+        <a:latin typeface="+mn-lt"/>
+        <a:ea typeface="+mn-ea"/>
+        <a:cs typeface="+mn-cs"/>
+      </a:defRPr>
+    </a:lvl8pPr>
+    <a:lvl9pPr marL="3657600" algn="l" defTabSz="914400" rtl="0" eaLnBrk="1" latinLnBrk="0" hangingPunct="1">
+      <a:defRPr sz="1200" kern="1200">
+        <a:solidFill>
+          <a:schemeClr val="tx1"/>
+        </a:solidFill>
+        <a:latin typeface="+mn-lt"/>
+        <a:ea typeface="+mn-ea"/>
+        <a:cs typeface="+mn-cs"/>
+      </a:defRPr>
+    </a:lvl9pPr>
+  </p:notesStyle>
+</p:notesMaster>
+</file>
+
+<file path=ppt/notesSlides/notesSlide1.xml><?xml version="1.0" encoding="utf-8"?>
+<p:notes xmlns:a="http://schemas.openxmlformats.org/drawingml/2006/main" xmlns:r="http://schemas.openxmlformats.org/officeDocument/2006/relationships" xmlns:p="http://schemas.openxmlformats.org/presentationml/2006/main">
+  <p:cSld>
+    <p:spTree>
+      <p:nvGrpSpPr>
+        <p:cNvPr id="1" name=""/>
+        <p:cNvGrpSpPr/>
+        <p:nvPr/>
+      </p:nvGrpSpPr>
+      <p:grpSpPr>
+        <a:xfrm>
+          <a:off x="0" y="0"/>
+          <a:ext cx="0" cy="0"/>
+          <a:chOff x="0" y="0"/>
+          <a:chExt cx="0" cy="0"/>
+        </a:xfrm>
+      </p:grpSpPr>
+      <p:sp>
+        <p:nvSpPr>
+          <p:cNvPr id="2" name="Slide Image Placeholder 1"/>
+          <p:cNvSpPr>
+            <a:spLocks noGrp="1" noRot="1" noChangeAspect="1"/>
+          </p:cNvSpPr>
+          <p:nvPr>
+            <p:ph type="sldImg"/>
+          </p:nvPr>
+        </p:nvSpPr>
+        <p:spPr/>
+      </p:sp>
+      <p:sp>
+        <p:nvSpPr>
+          <p:cNvPr id="3" name="Notes Placeholder 2"/>
+          <p:cNvSpPr>
+            <a:spLocks noGrp="1"/>
+          </p:cNvSpPr>
+          <p:nvPr>
+            <p:ph type="body" idx="1"/>
+          </p:nvPr>
+        </p:nvSpPr>
+        <p:spPr/>
+        <p:txBody>
+          <a:bodyPr/>
+          <a:lstStyle/>
+          <a:p>
+            <a:r>
+              <a:rPr lang="en-US" dirty="0"/>
+              <a:t>So as you can see we have implemented the </a:t>
+            </a:r>
+            <a:r>
+              <a:rPr lang="en-US" dirty="0" err="1"/>
+              <a:t>backedn</a:t>
+            </a:r>
+            <a:r>
+              <a:rPr lang="en-US" dirty="0"/>
+              <a:t> functionality in spring boot, java. </a:t>
+            </a:r>
+          </a:p>
+          <a:p>
+            <a:r>
+              <a:rPr lang="en-US" dirty="0"/>
+              <a:t>We have 3 main APIs that is Rescuer, User and Admin. All together there were around 17 APIS that were implemented.</a:t>
+            </a:r>
+          </a:p>
+          <a:p>
+            <a:r>
+              <a:rPr lang="en-US" dirty="0"/>
+              <a:t>The data transfer between the Front end and </a:t>
+            </a:r>
+            <a:r>
+              <a:rPr lang="en-US" dirty="0" err="1"/>
+              <a:t>backedn</a:t>
+            </a:r>
+            <a:r>
+              <a:rPr lang="en-US" dirty="0"/>
+              <a:t> happens in JSON format,</a:t>
+            </a:r>
+          </a:p>
+          <a:p>
+            <a:r>
+              <a:rPr lang="en-US" dirty="0"/>
+              <a:t>All our data is being stored in the database named H2 database.</a:t>
+            </a:r>
+          </a:p>
+          <a:p>
+            <a:r>
+              <a:rPr lang="en-US" dirty="0"/>
+              <a:t>We have used 2 main protocols for communication that are HTTP and </a:t>
+            </a:r>
+            <a:r>
+              <a:rPr lang="en-US" dirty="0" err="1"/>
+              <a:t>webscocket</a:t>
+            </a:r>
+            <a:r>
+              <a:rPr lang="en-US" dirty="0"/>
+              <a:t> (is used for full duplex communication)</a:t>
+            </a:r>
+          </a:p>
+          <a:p>
+            <a:r>
+              <a:rPr lang="en-US" dirty="0"/>
+              <a:t>To accomplish all of this we have used latest high end technologies. </a:t>
+            </a:r>
+          </a:p>
+          <a:p>
+            <a:r>
+              <a:rPr lang="en-US" dirty="0"/>
+              <a:t>For the source code management we have used git hub. As you can see we have 2 </a:t>
+            </a:r>
+            <a:r>
+              <a:rPr lang="en-US" dirty="0" err="1"/>
+              <a:t>repostioties</a:t>
+            </a:r>
+            <a:r>
+              <a:rPr lang="en-US" dirty="0"/>
+              <a:t> as we are 2 </a:t>
+            </a:r>
+            <a:r>
+              <a:rPr lang="en-US" dirty="0" err="1"/>
+              <a:t>develoeprs</a:t>
+            </a:r>
+            <a:r>
+              <a:rPr lang="en-US" dirty="0"/>
+              <a:t>.</a:t>
+            </a:r>
+          </a:p>
+          <a:p>
+            <a:r>
+              <a:rPr lang="en-US" dirty="0"/>
+              <a:t>This helped us to avoid code conflicts and work </a:t>
+            </a:r>
+            <a:r>
+              <a:rPr lang="en-US" dirty="0" err="1"/>
+              <a:t>professonaly</a:t>
+            </a:r>
+            <a:endParaRPr lang="en-US" dirty="0"/>
+          </a:p>
+          <a:p>
+            <a:r>
+              <a:rPr lang="en-US" dirty="0"/>
+              <a:t>We have used docker hub to publish  our containers</a:t>
+            </a:r>
+          </a:p>
+          <a:p>
+            <a:r>
+              <a:rPr lang="en-US" dirty="0"/>
+              <a:t>All together we have written 1000 lines of code in both front end and backend combined.</a:t>
+            </a:r>
+          </a:p>
+          <a:p>
+            <a:r>
+              <a:rPr lang="en-US" dirty="0"/>
+              <a:t>There are around 5 module in front end and 17 rest </a:t>
+            </a:r>
+            <a:r>
+              <a:rPr lang="en-US" dirty="0" err="1"/>
+              <a:t>apis</a:t>
+            </a:r>
+            <a:r>
+              <a:rPr lang="en-US" dirty="0"/>
+              <a:t> have been successfully implemented and tested in backed.</a:t>
+            </a:r>
+          </a:p>
+          <a:p>
+            <a:r>
+              <a:rPr lang="en-US" dirty="0"/>
+              <a:t>To make the website more interactive we have used customized exceptions as well. That will help the user to identify an error in backend if any</a:t>
+            </a:r>
+          </a:p>
+          <a:p>
+            <a:r>
+              <a:rPr lang="en-US" dirty="0"/>
+              <a:t>Talking about the </a:t>
+            </a:r>
+            <a:r>
+              <a:rPr lang="en-US" dirty="0" err="1"/>
+              <a:t>requiremetns</a:t>
+            </a:r>
+            <a:r>
+              <a:rPr lang="en-US" dirty="0"/>
+              <a:t> we have successfully completed all of them:</a:t>
+            </a:r>
+          </a:p>
+          <a:p>
+            <a:r>
+              <a:rPr lang="en-US" dirty="0"/>
+              <a:t>Firstly We have a user friendly and interactive website.</a:t>
+            </a:r>
+          </a:p>
+          <a:p>
+            <a:r>
+              <a:rPr lang="en-US" dirty="0"/>
+              <a:t>The code we have written is highly scalable</a:t>
+            </a:r>
+          </a:p>
+          <a:p>
+            <a:r>
+              <a:rPr lang="en-US" dirty="0"/>
+              <a:t>Our website can be accessed from any web browsers namely chrome, </a:t>
+            </a:r>
+            <a:r>
+              <a:rPr lang="en-US" dirty="0" err="1"/>
+              <a:t>firefox</a:t>
+            </a:r>
+            <a:r>
+              <a:rPr lang="en-US" dirty="0"/>
+              <a:t> and internet explorer</a:t>
+            </a:r>
+          </a:p>
+          <a:p>
+            <a:r>
+              <a:rPr lang="en-US" dirty="0"/>
+              <a:t>It is based on WMN based network.</a:t>
+            </a:r>
+          </a:p>
+          <a:p>
+            <a:r>
+              <a:rPr lang="en-US" dirty="0"/>
+              <a:t>As mentioned before all components are containerized and pushed on docker hub</a:t>
+            </a:r>
+          </a:p>
+          <a:p>
+            <a:r>
+              <a:rPr lang="en-US" dirty="0"/>
+              <a:t>Backend as required has been implemented in java. </a:t>
+            </a:r>
+          </a:p>
+          <a:p>
+            <a:endParaRPr lang="en-US" dirty="0"/>
+          </a:p>
+          <a:p>
+            <a:r>
+              <a:rPr lang="en-US" dirty="0"/>
+              <a:t>Lets move forward with the demo.</a:t>
+            </a:r>
+          </a:p>
+          <a:p>
+            <a:endParaRPr lang="en-US" dirty="0"/>
+          </a:p>
+          <a:p>
+            <a:endParaRPr lang="en-US" dirty="0"/>
+          </a:p>
+          <a:p>
+            <a:endParaRPr lang="en-US" dirty="0"/>
+          </a:p>
+          <a:p>
+            <a:endParaRPr lang="en-US" dirty="0"/>
+          </a:p>
+          <a:p>
+            <a:endParaRPr lang="en-US" dirty="0"/>
+          </a:p>
+          <a:p>
+            <a:endParaRPr lang="en-US" dirty="0"/>
+          </a:p>
+          <a:p>
+            <a:endParaRPr lang="en-US" dirty="0"/>
+          </a:p>
+        </p:txBody>
+      </p:sp>
+      <p:sp>
+        <p:nvSpPr>
+          <p:cNvPr id="4" name="Slide Number Placeholder 3"/>
+          <p:cNvSpPr>
+            <a:spLocks noGrp="1"/>
+          </p:cNvSpPr>
+          <p:nvPr>
+            <p:ph type="sldNum" sz="quarter" idx="5"/>
+          </p:nvPr>
+        </p:nvSpPr>
+        <p:spPr/>
+        <p:txBody>
+          <a:bodyPr/>
+          <a:lstStyle/>
+          <a:p>
+            <a:fld id="{E47AE529-E295-304E-A2A7-4442996F332B}" type="slidenum">
+              <a:rPr lang="en-US" smtClean="0"/>
+              <a:t>2</a:t>
+            </a:fld>
+            <a:endParaRPr lang="en-US"/>
+          </a:p>
+        </p:txBody>
+      </p:sp>
+    </p:spTree>
+    <p:extLst>
+      <p:ext uri="{BB962C8B-B14F-4D97-AF65-F5344CB8AC3E}">
+        <p14:creationId xmlns:p14="http://schemas.microsoft.com/office/powerpoint/2010/main" val="2300733764"/>
+      </p:ext>
+    </p:extLst>
+  </p:cSld>
+  <p:clrMapOvr>
+    <a:masterClrMapping/>
+  </p:clrMapOvr>
+</p:notes>
 </file>
 
 <file path=ppt/slideLayouts/slideLayout1.xml><?xml version="1.0" encoding="utf-8"?>
@@ -261,7 +911,7 @@
           <a:p>
             <a:fld id="{248A71B9-B19F-914B-A265-AC5E3478F9D2}" type="datetimeFigureOut">
               <a:rPr lang="en-US" smtClean="0"/>
-              <a:t>3/15/21</a:t>
+              <a:t>3/17/21</a:t>
             </a:fld>
             <a:endParaRPr lang="en-US"/>
           </a:p>
@@ -461,7 +1111,7 @@
           <a:p>
             <a:fld id="{248A71B9-B19F-914B-A265-AC5E3478F9D2}" type="datetimeFigureOut">
               <a:rPr lang="en-US" smtClean="0"/>
-              <a:t>3/15/21</a:t>
+              <a:t>3/17/21</a:t>
             </a:fld>
             <a:endParaRPr lang="en-US"/>
           </a:p>
@@ -671,7 +1321,7 @@
           <a:p>
             <a:fld id="{248A71B9-B19F-914B-A265-AC5E3478F9D2}" type="datetimeFigureOut">
               <a:rPr lang="en-US" smtClean="0"/>
-              <a:t>3/15/21</a:t>
+              <a:t>3/17/21</a:t>
             </a:fld>
             <a:endParaRPr lang="en-US"/>
           </a:p>
@@ -871,7 +1521,7 @@
           <a:p>
             <a:fld id="{248A71B9-B19F-914B-A265-AC5E3478F9D2}" type="datetimeFigureOut">
               <a:rPr lang="en-US" smtClean="0"/>
-              <a:t>3/15/21</a:t>
+              <a:t>3/17/21</a:t>
             </a:fld>
             <a:endParaRPr lang="en-US"/>
           </a:p>
@@ -1147,7 +1797,7 @@
           <a:p>
             <a:fld id="{248A71B9-B19F-914B-A265-AC5E3478F9D2}" type="datetimeFigureOut">
               <a:rPr lang="en-US" smtClean="0"/>
-              <a:t>3/15/21</a:t>
+              <a:t>3/17/21</a:t>
             </a:fld>
             <a:endParaRPr lang="en-US"/>
           </a:p>
@@ -1415,7 +2065,7 @@
           <a:p>
             <a:fld id="{248A71B9-B19F-914B-A265-AC5E3478F9D2}" type="datetimeFigureOut">
               <a:rPr lang="en-US" smtClean="0"/>
-              <a:t>3/15/21</a:t>
+              <a:t>3/17/21</a:t>
             </a:fld>
             <a:endParaRPr lang="en-US"/>
           </a:p>
@@ -1830,7 +2480,7 @@
           <a:p>
             <a:fld id="{248A71B9-B19F-914B-A265-AC5E3478F9D2}" type="datetimeFigureOut">
               <a:rPr lang="en-US" smtClean="0"/>
-              <a:t>3/15/21</a:t>
+              <a:t>3/17/21</a:t>
             </a:fld>
             <a:endParaRPr lang="en-US"/>
           </a:p>
@@ -1972,7 +2622,7 @@
           <a:p>
             <a:fld id="{248A71B9-B19F-914B-A265-AC5E3478F9D2}" type="datetimeFigureOut">
               <a:rPr lang="en-US" smtClean="0"/>
-              <a:t>3/15/21</a:t>
+              <a:t>3/17/21</a:t>
             </a:fld>
             <a:endParaRPr lang="en-US"/>
           </a:p>
@@ -2085,7 +2735,7 @@
           <a:p>
             <a:fld id="{248A71B9-B19F-914B-A265-AC5E3478F9D2}" type="datetimeFigureOut">
               <a:rPr lang="en-US" smtClean="0"/>
-              <a:t>3/15/21</a:t>
+              <a:t>3/17/21</a:t>
             </a:fld>
             <a:endParaRPr lang="en-US"/>
           </a:p>
@@ -2398,7 +3048,7 @@
           <a:p>
             <a:fld id="{248A71B9-B19F-914B-A265-AC5E3478F9D2}" type="datetimeFigureOut">
               <a:rPr lang="en-US" smtClean="0"/>
-              <a:t>3/15/21</a:t>
+              <a:t>3/17/21</a:t>
             </a:fld>
             <a:endParaRPr lang="en-US"/>
           </a:p>
@@ -2687,7 +3337,7 @@
           <a:p>
             <a:fld id="{248A71B9-B19F-914B-A265-AC5E3478F9D2}" type="datetimeFigureOut">
               <a:rPr lang="en-US" smtClean="0"/>
-              <a:t>3/15/21</a:t>
+              <a:t>3/17/21</a:t>
             </a:fld>
             <a:endParaRPr lang="en-US"/>
           </a:p>
@@ -2930,7 +3580,7 @@
           <a:p>
             <a:fld id="{248A71B9-B19F-914B-A265-AC5E3478F9D2}" type="datetimeFigureOut">
               <a:rPr lang="en-US" smtClean="0"/>
-              <a:t>3/15/21</a:t>
+              <a:t>3/17/21</a:t>
             </a:fld>
             <a:endParaRPr lang="en-US"/>
           </a:p>
@@ -4223,528 +4873,6 @@
       </p:grpSpPr>
       <p:sp>
         <p:nvSpPr>
-          <p:cNvPr id="10" name="Freeform 74">
-            <a:extLst>
-              <a:ext uri="{FF2B5EF4-FFF2-40B4-BE49-F238E27FC236}">
-                <a16:creationId xmlns:a16="http://schemas.microsoft.com/office/drawing/2014/main" id="{6DE2912A-1DB4-3048-ABBA-13AC8C1CC4D1}"/>
-              </a:ext>
-            </a:extLst>
-          </p:cNvPr>
-          <p:cNvSpPr>
-            <a:spLocks noChangeArrowheads="1"/>
-          </p:cNvSpPr>
-          <p:nvPr/>
-        </p:nvSpPr>
-        <p:spPr bwMode="auto">
-          <a:xfrm>
-            <a:off x="1203767" y="2154086"/>
-            <a:ext cx="9086127" cy="1591057"/>
-          </a:xfrm>
-          <a:custGeom>
-            <a:avLst/>
-            <a:gdLst>
-              <a:gd name="T0" fmla="*/ 2444934 w 6840"/>
-              <a:gd name="T1" fmla="*/ 407871 h 2529"/>
-              <a:gd name="T2" fmla="*/ 2236870 w 6840"/>
-              <a:gd name="T3" fmla="*/ 47561 h 2529"/>
-              <a:gd name="T4" fmla="*/ 2236870 w 6840"/>
-              <a:gd name="T5" fmla="*/ 47561 h 2529"/>
-              <a:gd name="T6" fmla="*/ 2154436 w 6840"/>
-              <a:gd name="T7" fmla="*/ 0 h 2529"/>
-              <a:gd name="T8" fmla="*/ 1847740 w 6840"/>
-              <a:gd name="T9" fmla="*/ 0 h 2529"/>
-              <a:gd name="T10" fmla="*/ 1738668 w 6840"/>
-              <a:gd name="T11" fmla="*/ 0 h 2529"/>
-              <a:gd name="T12" fmla="*/ 44277 w 6840"/>
-              <a:gd name="T13" fmla="*/ 0 h 2529"/>
-              <a:gd name="T14" fmla="*/ 44277 w 6840"/>
-              <a:gd name="T15" fmla="*/ 0 h 2529"/>
-              <a:gd name="T16" fmla="*/ 0 w 6840"/>
-              <a:gd name="T17" fmla="*/ 43958 h 2529"/>
-              <a:gd name="T18" fmla="*/ 0 w 6840"/>
-              <a:gd name="T19" fmla="*/ 866907 h 2529"/>
-              <a:gd name="T20" fmla="*/ 0 w 6840"/>
-              <a:gd name="T21" fmla="*/ 866907 h 2529"/>
-              <a:gd name="T22" fmla="*/ 44277 w 6840"/>
-              <a:gd name="T23" fmla="*/ 910865 h 2529"/>
-              <a:gd name="T24" fmla="*/ 1738668 w 6840"/>
-              <a:gd name="T25" fmla="*/ 910865 h 2529"/>
-              <a:gd name="T26" fmla="*/ 1847740 w 6840"/>
-              <a:gd name="T27" fmla="*/ 910865 h 2529"/>
-              <a:gd name="T28" fmla="*/ 2154436 w 6840"/>
-              <a:gd name="T29" fmla="*/ 910865 h 2529"/>
-              <a:gd name="T30" fmla="*/ 2154436 w 6840"/>
-              <a:gd name="T31" fmla="*/ 910865 h 2529"/>
-              <a:gd name="T32" fmla="*/ 2236870 w 6840"/>
-              <a:gd name="T33" fmla="*/ 863304 h 2529"/>
-              <a:gd name="T34" fmla="*/ 2444934 w 6840"/>
-              <a:gd name="T35" fmla="*/ 503354 h 2529"/>
-              <a:gd name="T36" fmla="*/ 2444934 w 6840"/>
-              <a:gd name="T37" fmla="*/ 503354 h 2529"/>
-              <a:gd name="T38" fmla="*/ 2444934 w 6840"/>
-              <a:gd name="T39" fmla="*/ 407871 h 2529"/>
-              <a:gd name="T40" fmla="*/ 0 60000 65536"/>
-              <a:gd name="T41" fmla="*/ 0 60000 65536"/>
-              <a:gd name="T42" fmla="*/ 0 60000 65536"/>
-              <a:gd name="T43" fmla="*/ 0 60000 65536"/>
-              <a:gd name="T44" fmla="*/ 0 60000 65536"/>
-              <a:gd name="T45" fmla="*/ 0 60000 65536"/>
-              <a:gd name="T46" fmla="*/ 0 60000 65536"/>
-              <a:gd name="T47" fmla="*/ 0 60000 65536"/>
-              <a:gd name="T48" fmla="*/ 0 60000 65536"/>
-              <a:gd name="T49" fmla="*/ 0 60000 65536"/>
-              <a:gd name="T50" fmla="*/ 0 60000 65536"/>
-              <a:gd name="T51" fmla="*/ 0 60000 65536"/>
-              <a:gd name="T52" fmla="*/ 0 60000 65536"/>
-              <a:gd name="T53" fmla="*/ 0 60000 65536"/>
-              <a:gd name="T54" fmla="*/ 0 60000 65536"/>
-              <a:gd name="T55" fmla="*/ 0 60000 65536"/>
-              <a:gd name="T56" fmla="*/ 0 60000 65536"/>
-              <a:gd name="T57" fmla="*/ 0 60000 65536"/>
-              <a:gd name="T58" fmla="*/ 0 60000 65536"/>
-              <a:gd name="T59" fmla="*/ 0 60000 65536"/>
-            </a:gdLst>
-            <a:ahLst/>
-            <a:cxnLst>
-              <a:cxn ang="T40">
-                <a:pos x="T0" y="T1"/>
-              </a:cxn>
-              <a:cxn ang="T41">
-                <a:pos x="T2" y="T3"/>
-              </a:cxn>
-              <a:cxn ang="T42">
-                <a:pos x="T4" y="T5"/>
-              </a:cxn>
-              <a:cxn ang="T43">
-                <a:pos x="T6" y="T7"/>
-              </a:cxn>
-              <a:cxn ang="T44">
-                <a:pos x="T8" y="T9"/>
-              </a:cxn>
-              <a:cxn ang="T45">
-                <a:pos x="T10" y="T11"/>
-              </a:cxn>
-              <a:cxn ang="T46">
-                <a:pos x="T12" y="T13"/>
-              </a:cxn>
-              <a:cxn ang="T47">
-                <a:pos x="T14" y="T15"/>
-              </a:cxn>
-              <a:cxn ang="T48">
-                <a:pos x="T16" y="T17"/>
-              </a:cxn>
-              <a:cxn ang="T49">
-                <a:pos x="T18" y="T19"/>
-              </a:cxn>
-              <a:cxn ang="T50">
-                <a:pos x="T20" y="T21"/>
-              </a:cxn>
-              <a:cxn ang="T51">
-                <a:pos x="T22" y="T23"/>
-              </a:cxn>
-              <a:cxn ang="T52">
-                <a:pos x="T24" y="T25"/>
-              </a:cxn>
-              <a:cxn ang="T53">
-                <a:pos x="T26" y="T27"/>
-              </a:cxn>
-              <a:cxn ang="T54">
-                <a:pos x="T28" y="T29"/>
-              </a:cxn>
-              <a:cxn ang="T55">
-                <a:pos x="T30" y="T31"/>
-              </a:cxn>
-              <a:cxn ang="T56">
-                <a:pos x="T32" y="T33"/>
-              </a:cxn>
-              <a:cxn ang="T57">
-                <a:pos x="T34" y="T35"/>
-              </a:cxn>
-              <a:cxn ang="T58">
-                <a:pos x="T36" y="T37"/>
-              </a:cxn>
-              <a:cxn ang="T59">
-                <a:pos x="T38" y="T39"/>
-              </a:cxn>
-            </a:cxnLst>
-            <a:rect l="0" t="0" r="r" b="b"/>
-            <a:pathLst>
-              <a:path w="6840" h="2529">
-                <a:moveTo>
-                  <a:pt x="6792" y="1132"/>
-                </a:moveTo>
-                <a:lnTo>
-                  <a:pt x="6214" y="132"/>
-                </a:lnTo>
-                <a:cubicBezTo>
-                  <a:pt x="6167" y="50"/>
-                  <a:pt x="6080" y="0"/>
-                  <a:pt x="5985" y="0"/>
-                </a:cubicBezTo>
-                <a:lnTo>
-                  <a:pt x="5133" y="0"/>
-                </a:lnTo>
-                <a:lnTo>
-                  <a:pt x="4830" y="0"/>
-                </a:lnTo>
-                <a:lnTo>
-                  <a:pt x="123" y="0"/>
-                </a:lnTo>
-                <a:cubicBezTo>
-                  <a:pt x="55" y="0"/>
-                  <a:pt x="0" y="54"/>
-                  <a:pt x="0" y="122"/>
-                </a:cubicBezTo>
-                <a:lnTo>
-                  <a:pt x="0" y="2406"/>
-                </a:lnTo>
-                <a:cubicBezTo>
-                  <a:pt x="0" y="2473"/>
-                  <a:pt x="55" y="2528"/>
-                  <a:pt x="123" y="2528"/>
-                </a:cubicBezTo>
-                <a:lnTo>
-                  <a:pt x="4830" y="2528"/>
-                </a:lnTo>
-                <a:lnTo>
-                  <a:pt x="5133" y="2528"/>
-                </a:lnTo>
-                <a:lnTo>
-                  <a:pt x="5985" y="2528"/>
-                </a:lnTo>
-                <a:cubicBezTo>
-                  <a:pt x="6080" y="2528"/>
-                  <a:pt x="6167" y="2478"/>
-                  <a:pt x="6214" y="2396"/>
-                </a:cubicBezTo>
-                <a:lnTo>
-                  <a:pt x="6792" y="1397"/>
-                </a:lnTo>
-                <a:cubicBezTo>
-                  <a:pt x="6839" y="1315"/>
-                  <a:pt x="6839" y="1214"/>
-                  <a:pt x="6792" y="1132"/>
-                </a:cubicBezTo>
-              </a:path>
-            </a:pathLst>
-          </a:custGeom>
-          <a:solidFill>
-            <a:schemeClr val="accent1"/>
-          </a:solidFill>
-          <a:ln>
-            <a:noFill/>
-          </a:ln>
-          <a:effectLst/>
-        </p:spPr>
-        <p:txBody>
-          <a:bodyPr wrap="none" anchor="ctr"/>
-          <a:lstStyle/>
-          <a:p>
-            <a:endParaRPr lang="en-US" dirty="0">
-              <a:solidFill>
-                <a:schemeClr val="accent1"/>
-              </a:solidFill>
-              <a:latin typeface="Lato Light" panose="020F0502020204030203" pitchFamily="34" charset="0"/>
-            </a:endParaRPr>
-          </a:p>
-        </p:txBody>
-      </p:sp>
-      <p:sp>
-        <p:nvSpPr>
-          <p:cNvPr id="11" name="Line 92">
-            <a:extLst>
-              <a:ext uri="{FF2B5EF4-FFF2-40B4-BE49-F238E27FC236}">
-                <a16:creationId xmlns:a16="http://schemas.microsoft.com/office/drawing/2014/main" id="{98A1624A-8242-B049-B16F-DD49E8149278}"/>
-              </a:ext>
-            </a:extLst>
-          </p:cNvPr>
-          <p:cNvSpPr>
-            <a:spLocks noChangeShapeType="1"/>
-          </p:cNvSpPr>
-          <p:nvPr/>
-        </p:nvSpPr>
-        <p:spPr bwMode="auto">
-          <a:xfrm>
-            <a:off x="7358942" y="2331647"/>
-            <a:ext cx="0" cy="1235936"/>
-          </a:xfrm>
-          <a:prstGeom prst="line">
-            <a:avLst/>
-          </a:prstGeom>
-          <a:noFill/>
-          <a:ln w="50800">
-            <a:solidFill>
-              <a:schemeClr val="bg1"/>
-            </a:solidFill>
-            <a:round/>
-            <a:headEnd/>
-            <a:tailEnd/>
-          </a:ln>
-          <a:effectLst/>
-          <a:extLst>
-            <a:ext uri="{909E8E84-426E-40DD-AFC4-6F175D3DCCD1}">
-              <a14:hiddenFill xmlns:a14="http://schemas.microsoft.com/office/drawing/2010/main">
-                <a:noFill/>
-              </a14:hiddenFill>
-            </a:ext>
-            <a:ext uri="{AF507438-7753-43E0-B8FC-AC1667EBCBE1}">
-              <a14:hiddenEffects xmlns:a14="http://schemas.microsoft.com/office/drawing/2010/main">
-                <a:effectLst>
-                  <a:outerShdw dist="35921" dir="2700000" algn="ctr" rotWithShape="0">
-                    <a:srgbClr val="808080"/>
-                  </a:outerShdw>
-                </a:effectLst>
-              </a14:hiddenEffects>
-            </a:ext>
-          </a:extLst>
-        </p:spPr>
-        <p:txBody>
-          <a:bodyPr/>
-          <a:lstStyle/>
-          <a:p>
-            <a:endParaRPr lang="en-US" dirty="0">
-              <a:latin typeface="Lato Light" panose="020F0502020204030203" pitchFamily="34" charset="0"/>
-            </a:endParaRPr>
-          </a:p>
-        </p:txBody>
-      </p:sp>
-      <p:sp>
-        <p:nvSpPr>
-          <p:cNvPr id="12" name="TextBox 11">
-            <a:extLst>
-              <a:ext uri="{FF2B5EF4-FFF2-40B4-BE49-F238E27FC236}">
-                <a16:creationId xmlns:a16="http://schemas.microsoft.com/office/drawing/2014/main" id="{240F300C-7ECB-F144-B29D-17BDCF578B85}"/>
-              </a:ext>
-            </a:extLst>
-          </p:cNvPr>
-          <p:cNvSpPr txBox="1"/>
-          <p:nvPr/>
-        </p:nvSpPr>
-        <p:spPr>
-          <a:xfrm>
-            <a:off x="1103016" y="2367254"/>
-            <a:ext cx="6925180" cy="1200329"/>
-          </a:xfrm>
-          <a:prstGeom prst="rect">
-            <a:avLst/>
-          </a:prstGeom>
-          <a:noFill/>
-        </p:spPr>
-        <p:txBody>
-          <a:bodyPr wrap="square" rtlCol="0" anchor="b" anchorCtr="0">
-            <a:spAutoFit/>
-          </a:bodyPr>
-          <a:lstStyle/>
-          <a:p>
-            <a:pPr algn="ctr"/>
-            <a:r>
-              <a:rPr lang="en-US" sz="3600" b="1" dirty="0">
-                <a:solidFill>
-                  <a:schemeClr val="bg1"/>
-                </a:solidFill>
-                <a:latin typeface="Poppins" pitchFamily="2" charset="77"/>
-                <a:ea typeface="League Spartan" charset="0"/>
-                <a:cs typeface="Poppins" pitchFamily="2" charset="77"/>
-              </a:rPr>
-              <a:t>Application Architecture &amp;</a:t>
-            </a:r>
-          </a:p>
-          <a:p>
-            <a:pPr algn="ctr"/>
-            <a:r>
-              <a:rPr lang="en-US" sz="3600" b="1" dirty="0">
-                <a:solidFill>
-                  <a:schemeClr val="bg1"/>
-                </a:solidFill>
-                <a:latin typeface="Poppins" pitchFamily="2" charset="77"/>
-                <a:ea typeface="League Spartan" charset="0"/>
-                <a:cs typeface="Poppins" pitchFamily="2" charset="77"/>
-              </a:rPr>
-              <a:t>Achievements</a:t>
-            </a:r>
-          </a:p>
-        </p:txBody>
-      </p:sp>
-      <p:sp>
-        <p:nvSpPr>
-          <p:cNvPr id="14" name="TextBox 13">
-            <a:extLst>
-              <a:ext uri="{FF2B5EF4-FFF2-40B4-BE49-F238E27FC236}">
-                <a16:creationId xmlns:a16="http://schemas.microsoft.com/office/drawing/2014/main" id="{9D8F1585-9ECC-4B4F-B607-A94E54439254}"/>
-              </a:ext>
-            </a:extLst>
-          </p:cNvPr>
-          <p:cNvSpPr txBox="1"/>
-          <p:nvPr/>
-        </p:nvSpPr>
-        <p:spPr>
-          <a:xfrm>
-            <a:off x="8697448" y="2659845"/>
-            <a:ext cx="575800" cy="553998"/>
-          </a:xfrm>
-          <a:prstGeom prst="rect">
-            <a:avLst/>
-          </a:prstGeom>
-          <a:noFill/>
-        </p:spPr>
-        <p:txBody>
-          <a:bodyPr wrap="square" rtlCol="0" anchor="ctr">
-            <a:spAutoFit/>
-          </a:bodyPr>
-          <a:lstStyle/>
-          <a:p>
-            <a:pPr algn="ctr"/>
-            <a:r>
-              <a:rPr lang="en-US" sz="3000" b="1" dirty="0">
-                <a:solidFill>
-                  <a:schemeClr val="bg1"/>
-                </a:solidFill>
-                <a:latin typeface="Poppins" pitchFamily="2" charset="77"/>
-                <a:cs typeface="Poppins" pitchFamily="2" charset="77"/>
-              </a:rPr>
-              <a:t>01</a:t>
-            </a:r>
-          </a:p>
-        </p:txBody>
-      </p:sp>
-      <p:sp>
-        <p:nvSpPr>
-          <p:cNvPr id="15" name="TextBox 14">
-            <a:extLst>
-              <a:ext uri="{FF2B5EF4-FFF2-40B4-BE49-F238E27FC236}">
-                <a16:creationId xmlns:a16="http://schemas.microsoft.com/office/drawing/2014/main" id="{E88D75CB-AC52-C844-A7F1-9FB5D1948EED}"/>
-              </a:ext>
-            </a:extLst>
-          </p:cNvPr>
-          <p:cNvSpPr txBox="1"/>
-          <p:nvPr/>
-        </p:nvSpPr>
-        <p:spPr>
-          <a:xfrm>
-            <a:off x="11794603" y="6539696"/>
-            <a:ext cx="397397" cy="369332"/>
-          </a:xfrm>
-          <a:prstGeom prst="rect">
-            <a:avLst/>
-          </a:prstGeom>
-          <a:noFill/>
-        </p:spPr>
-        <p:txBody>
-          <a:bodyPr wrap="square" rtlCol="0">
-            <a:spAutoFit/>
-          </a:bodyPr>
-          <a:lstStyle/>
-          <a:p>
-            <a:pPr algn="ctr"/>
-            <a:r>
-              <a:rPr lang="en-US" dirty="0"/>
-              <a:t>1</a:t>
-            </a:r>
-          </a:p>
-        </p:txBody>
-      </p:sp>
-      <p:sp>
-        <p:nvSpPr>
-          <p:cNvPr id="16" name="TextBox 15">
-            <a:extLst>
-              <a:ext uri="{FF2B5EF4-FFF2-40B4-BE49-F238E27FC236}">
-                <a16:creationId xmlns:a16="http://schemas.microsoft.com/office/drawing/2014/main" id="{012D61DE-02B9-E043-A042-371AC85341BF}"/>
-              </a:ext>
-            </a:extLst>
-          </p:cNvPr>
-          <p:cNvSpPr txBox="1"/>
-          <p:nvPr/>
-        </p:nvSpPr>
-        <p:spPr>
-          <a:xfrm>
-            <a:off x="0" y="6550223"/>
-            <a:ext cx="902825" cy="307777"/>
-          </a:xfrm>
-          <a:prstGeom prst="rect">
-            <a:avLst/>
-          </a:prstGeom>
-          <a:noFill/>
-        </p:spPr>
-        <p:txBody>
-          <a:bodyPr wrap="square" rtlCol="0">
-            <a:spAutoFit/>
-          </a:bodyPr>
-          <a:lstStyle/>
-          <a:p>
-            <a:pPr algn="ctr"/>
-            <a:r>
-              <a:rPr lang="en-US" sz="1400" dirty="0">
-                <a:solidFill>
-                  <a:schemeClr val="tx2"/>
-                </a:solidFill>
-              </a:rPr>
-              <a:t>FRA-UAS</a:t>
-            </a:r>
-          </a:p>
-        </p:txBody>
-      </p:sp>
-      <p:pic>
-        <p:nvPicPr>
-          <p:cNvPr id="17" name="Picture 16" descr="Chart&#10;&#10;Description automatically generated">
-            <a:extLst>
-              <a:ext uri="{FF2B5EF4-FFF2-40B4-BE49-F238E27FC236}">
-                <a16:creationId xmlns:a16="http://schemas.microsoft.com/office/drawing/2014/main" id="{D2F184E6-1A45-A040-B6DC-802C90BCD559}"/>
-              </a:ext>
-            </a:extLst>
-          </p:cNvPr>
-          <p:cNvPicPr>
-            <a:picLocks noChangeAspect="1"/>
-          </p:cNvPicPr>
-          <p:nvPr/>
-        </p:nvPicPr>
-        <p:blipFill>
-          <a:blip r:embed="rId2"/>
-          <a:stretch>
-            <a:fillRect/>
-          </a:stretch>
-        </p:blipFill>
-        <p:spPr>
-          <a:xfrm>
-            <a:off x="10818866" y="0"/>
-            <a:ext cx="1373133" cy="585870"/>
-          </a:xfrm>
-          <a:prstGeom prst="rect">
-            <a:avLst/>
-          </a:prstGeom>
-        </p:spPr>
-      </p:pic>
-    </p:spTree>
-    <p:extLst>
-      <p:ext uri="{BB962C8B-B14F-4D97-AF65-F5344CB8AC3E}">
-        <p14:creationId xmlns:p14="http://schemas.microsoft.com/office/powerpoint/2010/main" val="529233688"/>
-      </p:ext>
-    </p:extLst>
-  </p:cSld>
-  <p:clrMapOvr>
-    <a:masterClrMapping/>
-  </p:clrMapOvr>
-</p:sld>
-</file>
-
-<file path=ppt/slides/slide3.xml><?xml version="1.0" encoding="utf-8"?>
-<p:sld xmlns:a="http://schemas.openxmlformats.org/drawingml/2006/main" xmlns:r="http://schemas.openxmlformats.org/officeDocument/2006/relationships" xmlns:p="http://schemas.openxmlformats.org/presentationml/2006/main">
-  <p:cSld>
-    <p:spTree>
-      <p:nvGrpSpPr>
-        <p:cNvPr id="1" name=""/>
-        <p:cNvGrpSpPr/>
-        <p:nvPr/>
-      </p:nvGrpSpPr>
-      <p:grpSpPr>
-        <a:xfrm>
-          <a:off x="0" y="0"/>
-          <a:ext cx="0" cy="0"/>
-          <a:chOff x="0" y="0"/>
-          <a:chExt cx="0" cy="0"/>
-        </a:xfrm>
-      </p:grpSpPr>
-      <p:sp>
-        <p:nvSpPr>
           <p:cNvPr id="4" name="Rectangle 3">
             <a:extLst>
               <a:ext uri="{FF2B5EF4-FFF2-40B4-BE49-F238E27FC236}">
@@ -4757,8 +4885,8 @@
         </p:nvSpPr>
         <p:spPr>
           <a:xfrm>
-            <a:off x="1896687" y="1494927"/>
-            <a:ext cx="2085975" cy="2971800"/>
+            <a:off x="1896687" y="1542742"/>
+            <a:ext cx="2085975" cy="2456033"/>
           </a:xfrm>
           <a:prstGeom prst="rect">
             <a:avLst/>
@@ -4806,8 +4934,8 @@
         </p:nvSpPr>
         <p:spPr>
           <a:xfrm>
-            <a:off x="2220280" y="1667148"/>
-            <a:ext cx="1371600" cy="400110"/>
+            <a:off x="2220280" y="1491800"/>
+            <a:ext cx="1371600" cy="330669"/>
           </a:xfrm>
           <a:prstGeom prst="rect">
             <a:avLst/>
@@ -4843,8 +4971,8 @@
         </p:nvSpPr>
         <p:spPr>
           <a:xfrm>
-            <a:off x="2220280" y="2606262"/>
-            <a:ext cx="1371600" cy="374565"/>
+            <a:off x="2220280" y="2428696"/>
+            <a:ext cx="1371600" cy="309558"/>
           </a:xfrm>
           <a:prstGeom prst="rect">
             <a:avLst/>
@@ -4879,8 +5007,8 @@
         </p:nvSpPr>
         <p:spPr>
           <a:xfrm>
-            <a:off x="2220280" y="2990052"/>
-            <a:ext cx="1371600" cy="374565"/>
+            <a:off x="2220280" y="2812486"/>
+            <a:ext cx="1371600" cy="309558"/>
           </a:xfrm>
           <a:prstGeom prst="rect">
             <a:avLst/>
@@ -4915,8 +5043,8 @@
         </p:nvSpPr>
         <p:spPr>
           <a:xfrm>
-            <a:off x="2220280" y="3383130"/>
-            <a:ext cx="1371600" cy="374565"/>
+            <a:off x="2220280" y="3205564"/>
+            <a:ext cx="1371600" cy="309558"/>
           </a:xfrm>
           <a:prstGeom prst="rect">
             <a:avLst/>
@@ -4951,8 +5079,8 @@
         </p:nvSpPr>
         <p:spPr>
           <a:xfrm>
-            <a:off x="6193938" y="1485755"/>
-            <a:ext cx="2085975" cy="2971800"/>
+            <a:off x="6193938" y="1533570"/>
+            <a:ext cx="2085975" cy="2456033"/>
           </a:xfrm>
           <a:prstGeom prst="rect">
             <a:avLst/>
@@ -5000,8 +5128,8 @@
         </p:nvSpPr>
         <p:spPr>
           <a:xfrm>
-            <a:off x="6517531" y="1657976"/>
-            <a:ext cx="1371600" cy="400110"/>
+            <a:off x="6517531" y="1482628"/>
+            <a:ext cx="1371600" cy="330669"/>
           </a:xfrm>
           <a:prstGeom prst="rect">
             <a:avLst/>
@@ -5037,8 +5165,8 @@
         </p:nvSpPr>
         <p:spPr>
           <a:xfrm>
-            <a:off x="6193937" y="1012307"/>
-            <a:ext cx="2085975" cy="473448"/>
+            <a:off x="6193937" y="843323"/>
+            <a:ext cx="2085975" cy="391279"/>
           </a:xfrm>
           <a:prstGeom prst="round2SameRect">
             <a:avLst/>
@@ -5091,8 +5219,8 @@
         </p:nvSpPr>
         <p:spPr>
           <a:xfrm>
-            <a:off x="6250829" y="1075164"/>
-            <a:ext cx="1972189" cy="369332"/>
+            <a:off x="6250829" y="897145"/>
+            <a:ext cx="1972189" cy="305233"/>
           </a:xfrm>
           <a:prstGeom prst="rect">
             <a:avLst/>
@@ -5137,8 +5265,8 @@
         </p:nvSpPr>
         <p:spPr>
           <a:xfrm>
-            <a:off x="6742979" y="2332810"/>
-            <a:ext cx="1451082" cy="523220"/>
+            <a:off x="6742979" y="2168144"/>
+            <a:ext cx="1451082" cy="432414"/>
           </a:xfrm>
           <a:prstGeom prst="rect">
             <a:avLst/>
@@ -5176,8 +5304,8 @@
         </p:nvSpPr>
         <p:spPr>
           <a:xfrm rot="5400000">
-            <a:off x="2730815" y="-396327"/>
-            <a:ext cx="400050" cy="2364445"/>
+            <a:off x="2730815" y="-401217"/>
+            <a:ext cx="400050" cy="1954086"/>
           </a:xfrm>
           <a:prstGeom prst="leftBrace">
             <a:avLst/>
@@ -5220,8 +5348,8 @@
         </p:nvSpPr>
         <p:spPr>
           <a:xfrm rot="5400000">
-            <a:off x="7003306" y="-438364"/>
-            <a:ext cx="400050" cy="2364445"/>
+            <a:off x="7003306" y="-443254"/>
+            <a:ext cx="400050" cy="1954086"/>
           </a:xfrm>
           <a:prstGeom prst="leftBrace">
             <a:avLst/>
@@ -5264,8 +5392,8 @@
         </p:nvSpPr>
         <p:spPr>
           <a:xfrm>
-            <a:off x="2463709" y="275149"/>
-            <a:ext cx="1305802" cy="369332"/>
+            <a:off x="2463709" y="97130"/>
+            <a:ext cx="1305802" cy="305233"/>
           </a:xfrm>
           <a:prstGeom prst="rect">
             <a:avLst/>
@@ -5299,8 +5427,8 @@
         </p:nvSpPr>
         <p:spPr>
           <a:xfrm>
-            <a:off x="6669162" y="187751"/>
-            <a:ext cx="1135524" cy="369332"/>
+            <a:off x="6669162" y="9732"/>
+            <a:ext cx="1135524" cy="305233"/>
           </a:xfrm>
           <a:prstGeom prst="rect">
             <a:avLst/>
@@ -5334,8 +5462,8 @@
         </p:nvSpPr>
         <p:spPr>
           <a:xfrm>
-            <a:off x="1879020" y="1020604"/>
-            <a:ext cx="2103642" cy="473448"/>
+            <a:off x="1879020" y="851620"/>
+            <a:ext cx="2103642" cy="391279"/>
           </a:xfrm>
           <a:prstGeom prst="round2SameRect">
             <a:avLst/>
@@ -5388,8 +5516,8 @@
         </p:nvSpPr>
         <p:spPr>
           <a:xfrm>
-            <a:off x="1935912" y="1083461"/>
-            <a:ext cx="1972189" cy="369332"/>
+            <a:off x="1935912" y="905442"/>
+            <a:ext cx="1972189" cy="305233"/>
           </a:xfrm>
           <a:prstGeom prst="rect">
             <a:avLst/>
@@ -5435,15 +5563,15 @@
           <p:nvPr/>
         </p:nvPicPr>
         <p:blipFill>
-          <a:blip r:embed="rId2"/>
+          <a:blip r:embed="rId3"/>
           <a:stretch>
             <a:fillRect/>
           </a:stretch>
         </p:blipFill>
         <p:spPr>
           <a:xfrm>
-            <a:off x="6091095" y="2090188"/>
-            <a:ext cx="852872" cy="852872"/>
+            <a:off x="6165105" y="1954129"/>
+            <a:ext cx="704853" cy="704853"/>
           </a:xfrm>
           <a:prstGeom prst="rect">
             <a:avLst/>
@@ -5465,15 +5593,15 @@
           <p:nvPr/>
         </p:nvPicPr>
         <p:blipFill>
-          <a:blip r:embed="rId2"/>
+          <a:blip r:embed="rId3"/>
           <a:stretch>
             <a:fillRect/>
           </a:stretch>
         </p:blipFill>
         <p:spPr>
           <a:xfrm>
-            <a:off x="6149535" y="2971655"/>
-            <a:ext cx="735991" cy="735991"/>
+            <a:off x="6213402" y="2724604"/>
+            <a:ext cx="608257" cy="608257"/>
           </a:xfrm>
           <a:prstGeom prst="rect">
             <a:avLst/>
@@ -5495,15 +5623,15 @@
           <p:nvPr/>
         </p:nvPicPr>
         <p:blipFill>
-          <a:blip r:embed="rId2"/>
+          <a:blip r:embed="rId3"/>
           <a:stretch>
             <a:fillRect/>
           </a:stretch>
         </p:blipFill>
         <p:spPr>
           <a:xfrm>
-            <a:off x="6149534" y="3779809"/>
-            <a:ext cx="735991" cy="735991"/>
+            <a:off x="6193937" y="3398483"/>
+            <a:ext cx="658708" cy="658708"/>
           </a:xfrm>
           <a:prstGeom prst="rect">
             <a:avLst/>
@@ -5524,8 +5652,8 @@
         </p:nvSpPr>
         <p:spPr>
           <a:xfrm>
-            <a:off x="10247250" y="1135480"/>
-            <a:ext cx="1218945" cy="369332"/>
+            <a:off x="10133829" y="1442889"/>
+            <a:ext cx="1218945" cy="305233"/>
           </a:xfrm>
           <a:prstGeom prst="rect">
             <a:avLst/>
@@ -5573,8 +5701,8 @@
         </p:nvCxnSpPr>
         <p:spPr>
           <a:xfrm flipV="1">
-            <a:off x="4118530" y="2516624"/>
-            <a:ext cx="1972565" cy="8192"/>
+            <a:off x="4118530" y="2306556"/>
+            <a:ext cx="2046575" cy="7464"/>
           </a:xfrm>
           <a:prstGeom prst="straightConnector1">
             <a:avLst/>
@@ -5613,7 +5741,46 @@
         </p:nvSpPr>
         <p:spPr>
           <a:xfrm>
-            <a:off x="6742979" y="3171921"/>
+            <a:off x="6771936" y="2846939"/>
+            <a:ext cx="1451082" cy="432414"/>
+          </a:xfrm>
+          <a:prstGeom prst="rect">
+            <a:avLst/>
+          </a:prstGeom>
+          <a:noFill/>
+        </p:spPr>
+        <p:txBody>
+          <a:bodyPr wrap="square" rtlCol="0">
+            <a:spAutoFit/>
+          </a:bodyPr>
+          <a:lstStyle/>
+          <a:p>
+            <a:r>
+              <a:rPr lang="en-US" sz="1400" dirty="0" err="1"/>
+              <a:t>UserAPI.java</a:t>
+            </a:r>
+            <a:endParaRPr lang="en-US" sz="1400" dirty="0"/>
+          </a:p>
+          <a:p>
+            <a:endParaRPr lang="en-US" sz="1400" dirty="0"/>
+          </a:p>
+        </p:txBody>
+      </p:sp>
+      <p:sp>
+        <p:nvSpPr>
+          <p:cNvPr id="50" name="TextBox 49">
+            <a:extLst>
+              <a:ext uri="{FF2B5EF4-FFF2-40B4-BE49-F238E27FC236}">
+                <a16:creationId xmlns:a16="http://schemas.microsoft.com/office/drawing/2014/main" id="{B532EA2D-E3DA-4B47-8638-FAC1021B201C}"/>
+              </a:ext>
+            </a:extLst>
+          </p:cNvPr>
+          <p:cNvSpPr txBox="1"/>
+          <p:nvPr/>
+        </p:nvSpPr>
+        <p:spPr>
+          <a:xfrm>
+            <a:off x="6771936" y="3601558"/>
             <a:ext cx="1451082" cy="523220"/>
           </a:xfrm>
           <a:prstGeom prst="rect">
@@ -5629,45 +5796,6 @@
           <a:p>
             <a:r>
               <a:rPr lang="en-US" sz="1400" dirty="0" err="1"/>
-              <a:t>UserAPI.java</a:t>
-            </a:r>
-            <a:endParaRPr lang="en-US" sz="1400" dirty="0"/>
-          </a:p>
-          <a:p>
-            <a:endParaRPr lang="en-US" sz="1400" dirty="0"/>
-          </a:p>
-        </p:txBody>
-      </p:sp>
-      <p:sp>
-        <p:nvSpPr>
-          <p:cNvPr id="50" name="TextBox 49">
-            <a:extLst>
-              <a:ext uri="{FF2B5EF4-FFF2-40B4-BE49-F238E27FC236}">
-                <a16:creationId xmlns:a16="http://schemas.microsoft.com/office/drawing/2014/main" id="{B532EA2D-E3DA-4B47-8638-FAC1021B201C}"/>
-              </a:ext>
-            </a:extLst>
-          </p:cNvPr>
-          <p:cNvSpPr txBox="1"/>
-          <p:nvPr/>
-        </p:nvSpPr>
-        <p:spPr>
-          <a:xfrm>
-            <a:off x="6669162" y="4023537"/>
-            <a:ext cx="1451082" cy="523220"/>
-          </a:xfrm>
-          <a:prstGeom prst="rect">
-            <a:avLst/>
-          </a:prstGeom>
-          <a:noFill/>
-        </p:spPr>
-        <p:txBody>
-          <a:bodyPr wrap="square" rtlCol="0">
-            <a:spAutoFit/>
-          </a:bodyPr>
-          <a:lstStyle/>
-          <a:p>
-            <a:r>
-              <a:rPr lang="en-US" sz="1400" dirty="0" err="1"/>
               <a:t>AdminAPI.java</a:t>
             </a:r>
             <a:endParaRPr lang="en-US" sz="1400" dirty="0"/>
@@ -5693,8 +5821,8 @@
         </p:nvCxnSpPr>
         <p:spPr>
           <a:xfrm flipV="1">
-            <a:off x="4103021" y="3327488"/>
-            <a:ext cx="1972565" cy="8192"/>
+            <a:off x="4103021" y="3118130"/>
+            <a:ext cx="1972565" cy="6770"/>
           </a:xfrm>
           <a:prstGeom prst="straightConnector1">
             <a:avLst/>
@@ -5735,8 +5863,8 @@
         </p:nvCxnSpPr>
         <p:spPr>
           <a:xfrm flipV="1">
-            <a:off x="4116787" y="4147804"/>
-            <a:ext cx="1972565" cy="8192"/>
+            <a:off x="4116787" y="3938446"/>
+            <a:ext cx="1972565" cy="6770"/>
           </a:xfrm>
           <a:prstGeom prst="straightConnector1">
             <a:avLst/>
@@ -5776,10 +5904,10 @@
           <p:nvPr/>
         </p:nvPicPr>
         <p:blipFill>
-          <a:blip r:embed="rId3">
+          <a:blip r:embed="rId4">
             <a:extLst>
               <a:ext uri="{96DAC541-7B7A-43D3-8B79-37D633B846F1}">
-                <asvg:svgBlip xmlns:asvg="http://schemas.microsoft.com/office/drawing/2016/SVG/main" r:embed="rId4"/>
+                <asvg:svgBlip xmlns:asvg="http://schemas.microsoft.com/office/drawing/2016/SVG/main" r:embed="rId5"/>
               </a:ext>
             </a:extLst>
           </a:blip>
@@ -5789,8 +5917,8 @@
         </p:blipFill>
         <p:spPr>
           <a:xfrm>
-            <a:off x="9704804" y="1866622"/>
-            <a:ext cx="2303841" cy="2303841"/>
+            <a:off x="9795609" y="1706981"/>
+            <a:ext cx="1904001" cy="1904001"/>
           </a:xfrm>
           <a:prstGeom prst="rect">
             <a:avLst/>
@@ -5811,8 +5939,8 @@
         </p:nvSpPr>
         <p:spPr>
           <a:xfrm>
-            <a:off x="10023692" y="3996582"/>
-            <a:ext cx="1666063" cy="400110"/>
+            <a:off x="9985834" y="3431809"/>
+            <a:ext cx="1666063" cy="330669"/>
           </a:xfrm>
           <a:prstGeom prst="rect">
             <a:avLst/>
@@ -5850,8 +5978,8 @@
         </p:nvCxnSpPr>
         <p:spPr>
           <a:xfrm>
-            <a:off x="8382756" y="2977102"/>
-            <a:ext cx="1640936" cy="12950"/>
+            <a:off x="8382756" y="2768157"/>
+            <a:ext cx="1640936" cy="10703"/>
           </a:xfrm>
           <a:prstGeom prst="straightConnector1">
             <a:avLst/>
@@ -5890,8 +6018,8 @@
         </p:nvSpPr>
         <p:spPr>
           <a:xfrm>
-            <a:off x="4218702" y="2103097"/>
-            <a:ext cx="1888863" cy="369332"/>
+            <a:off x="4218702" y="1925078"/>
+            <a:ext cx="1888863" cy="305233"/>
           </a:xfrm>
           <a:prstGeom prst="rect">
             <a:avLst/>
@@ -5925,8 +6053,8 @@
         </p:nvSpPr>
         <p:spPr>
           <a:xfrm>
-            <a:off x="4176648" y="2966348"/>
-            <a:ext cx="1888863" cy="369332"/>
+            <a:off x="4176648" y="2788329"/>
+            <a:ext cx="1888863" cy="305233"/>
           </a:xfrm>
           <a:prstGeom prst="rect">
             <a:avLst/>
@@ -5960,8 +6088,8 @@
         </p:nvSpPr>
         <p:spPr>
           <a:xfrm>
-            <a:off x="4200489" y="3774701"/>
-            <a:ext cx="1888863" cy="369332"/>
+            <a:off x="4200489" y="3596682"/>
+            <a:ext cx="1888863" cy="305233"/>
           </a:xfrm>
           <a:prstGeom prst="rect">
             <a:avLst/>
@@ -5996,10 +6124,10 @@
           <p:nvPr/>
         </p:nvPicPr>
         <p:blipFill>
-          <a:blip r:embed="rId5">
+          <a:blip r:embed="rId6">
             <a:extLst>
               <a:ext uri="{96DAC541-7B7A-43D3-8B79-37D633B846F1}">
-                <asvg:svgBlip xmlns:asvg="http://schemas.microsoft.com/office/drawing/2016/SVG/main" r:embed="rId6"/>
+                <asvg:svgBlip xmlns:asvg="http://schemas.microsoft.com/office/drawing/2016/SVG/main" r:embed="rId7"/>
               </a:ext>
             </a:extLst>
           </a:blip>
@@ -6009,8 +6137,8 @@
         </p:blipFill>
         <p:spPr>
           <a:xfrm>
-            <a:off x="150492" y="2836027"/>
-            <a:ext cx="764696" cy="764696"/>
+            <a:off x="216850" y="2692316"/>
+            <a:ext cx="631980" cy="631980"/>
           </a:xfrm>
           <a:prstGeom prst="rect">
             <a:avLst/>
@@ -6033,7 +6161,7 @@
         </p:nvCxnSpPr>
         <p:spPr>
           <a:xfrm>
-            <a:off x="1047823" y="2389924"/>
+            <a:off x="1047823" y="2179855"/>
             <a:ext cx="626242" cy="0"/>
           </a:xfrm>
           <a:prstGeom prst="straightConnector1">
@@ -6074,7 +6202,7 @@
         </p:nvCxnSpPr>
         <p:spPr>
           <a:xfrm flipH="1">
-            <a:off x="1069294" y="3811684"/>
+            <a:off x="1069294" y="3601615"/>
             <a:ext cx="583300" cy="0"/>
           </a:xfrm>
           <a:prstGeom prst="straightConnector1">
@@ -6114,15 +6242,15 @@
           <p:nvPr/>
         </p:nvPicPr>
         <p:blipFill>
-          <a:blip r:embed="rId7"/>
+          <a:blip r:embed="rId8"/>
           <a:stretch>
             <a:fillRect/>
           </a:stretch>
         </p:blipFill>
         <p:spPr>
           <a:xfrm flipH="1">
-            <a:off x="1652594" y="5123586"/>
-            <a:ext cx="1494285" cy="884688"/>
+            <a:off x="428437" y="4908779"/>
+            <a:ext cx="1189578" cy="704287"/>
           </a:xfrm>
           <a:prstGeom prst="rect">
             <a:avLst/>
@@ -6144,15 +6272,15 @@
           <p:nvPr/>
         </p:nvPicPr>
         <p:blipFill>
-          <a:blip r:embed="rId8"/>
+          <a:blip r:embed="rId9"/>
           <a:stretch>
             <a:fillRect/>
           </a:stretch>
         </p:blipFill>
         <p:spPr>
           <a:xfrm>
-            <a:off x="4565357" y="5096345"/>
-            <a:ext cx="1360388" cy="765445"/>
+            <a:off x="2565158" y="4917933"/>
+            <a:ext cx="1216802" cy="684654"/>
           </a:xfrm>
           <a:prstGeom prst="rect">
             <a:avLst/>
@@ -6173,7 +6301,7 @@
         </p:nvSpPr>
         <p:spPr>
           <a:xfrm>
-            <a:off x="1568016" y="6008274"/>
+            <a:off x="241076" y="5711797"/>
             <a:ext cx="1979204" cy="523220"/>
           </a:xfrm>
           <a:prstGeom prst="rect">
@@ -6195,7 +6323,7 @@
           <a:p>
             <a:r>
               <a:rPr lang="en-US" sz="1400" dirty="0">
-                <a:hlinkClick r:id="rId9"/>
+                <a:hlinkClick r:id="rId10"/>
               </a:rPr>
               <a:t>Front-end</a:t>
             </a:r>
@@ -6205,7 +6333,7 @@
             </a:r>
             <a:r>
               <a:rPr lang="en-US" sz="1400" dirty="0">
-                <a:hlinkClick r:id="rId10"/>
+                <a:hlinkClick r:id="rId11"/>
               </a:rPr>
               <a:t>Back-end</a:t>
             </a:r>
@@ -6227,7 +6355,7 @@
         </p:nvSpPr>
         <p:spPr>
           <a:xfrm>
-            <a:off x="4085645" y="6060108"/>
+            <a:off x="2275765" y="5700913"/>
             <a:ext cx="2085975" cy="523220"/>
           </a:xfrm>
           <a:prstGeom prst="rect">
@@ -6249,7 +6377,7 @@
           <a:p>
             <a:r>
               <a:rPr lang="en-US" sz="1400" dirty="0">
-                <a:hlinkClick r:id="rId11"/>
+                <a:hlinkClick r:id="rId12"/>
               </a:rPr>
               <a:t>Front-end</a:t>
             </a:r>
@@ -6259,7 +6387,7 @@
             </a:r>
             <a:r>
               <a:rPr lang="en-US" sz="1400" dirty="0">
-                <a:hlinkClick r:id="rId12"/>
+                <a:hlinkClick r:id="rId13"/>
               </a:rPr>
               <a:t>Back-end</a:t>
             </a:r>
@@ -6273,36 +6401,6 @@
             <a:extLst>
               <a:ext uri="{FF2B5EF4-FFF2-40B4-BE49-F238E27FC236}">
                 <a16:creationId xmlns:a16="http://schemas.microsoft.com/office/drawing/2014/main" id="{D9DE2170-1EDE-BF45-A657-EFBC8BA69357}"/>
-              </a:ext>
-            </a:extLst>
-          </p:cNvPr>
-          <p:cNvPicPr>
-            <a:picLocks noChangeAspect="1"/>
-          </p:cNvPicPr>
-          <p:nvPr/>
-        </p:nvPicPr>
-        <p:blipFill>
-          <a:blip r:embed="rId13"/>
-          <a:stretch>
-            <a:fillRect/>
-          </a:stretch>
-        </p:blipFill>
-        <p:spPr>
-          <a:xfrm>
-            <a:off x="2421208" y="3879434"/>
-            <a:ext cx="1036932" cy="515205"/>
-          </a:xfrm>
-          <a:prstGeom prst="rect">
-            <a:avLst/>
-          </a:prstGeom>
-        </p:spPr>
-      </p:pic>
-      <p:pic>
-        <p:nvPicPr>
-          <p:cNvPr id="25" name="Picture 24">
-            <a:extLst>
-              <a:ext uri="{FF2B5EF4-FFF2-40B4-BE49-F238E27FC236}">
-                <a16:creationId xmlns:a16="http://schemas.microsoft.com/office/drawing/2014/main" id="{ED9DD77D-78C9-E64D-85CD-4F35F844659E}"/>
               </a:ext>
             </a:extLst>
           </p:cNvPr>
@@ -6319,8 +6417,38 @@
         </p:blipFill>
         <p:spPr>
           <a:xfrm>
-            <a:off x="4565357" y="139449"/>
-            <a:ext cx="1360388" cy="720205"/>
+            <a:off x="2511190" y="3714073"/>
+            <a:ext cx="856968" cy="425789"/>
+          </a:xfrm>
+          <a:prstGeom prst="rect">
+            <a:avLst/>
+          </a:prstGeom>
+        </p:spPr>
+      </p:pic>
+      <p:pic>
+        <p:nvPicPr>
+          <p:cNvPr id="25" name="Picture 24">
+            <a:extLst>
+              <a:ext uri="{FF2B5EF4-FFF2-40B4-BE49-F238E27FC236}">
+                <a16:creationId xmlns:a16="http://schemas.microsoft.com/office/drawing/2014/main" id="{ED9DD77D-78C9-E64D-85CD-4F35F844659E}"/>
+              </a:ext>
+            </a:extLst>
+          </p:cNvPr>
+          <p:cNvPicPr>
+            <a:picLocks noChangeAspect="1"/>
+          </p:cNvPicPr>
+          <p:nvPr/>
+        </p:nvPicPr>
+        <p:blipFill>
+          <a:blip r:embed="rId15"/>
+          <a:stretch>
+            <a:fillRect/>
+          </a:stretch>
+        </p:blipFill>
+        <p:spPr>
+          <a:xfrm>
+            <a:off x="4176648" y="691099"/>
+            <a:ext cx="1592812" cy="843254"/>
           </a:xfrm>
           <a:prstGeom prst="rect">
             <a:avLst/>
@@ -6341,8 +6469,8 @@
         </p:nvSpPr>
         <p:spPr>
           <a:xfrm>
-            <a:off x="7376111" y="5121116"/>
-            <a:ext cx="2603399" cy="1323439"/>
+            <a:off x="4618474" y="4758762"/>
+            <a:ext cx="2644618" cy="1200329"/>
           </a:xfrm>
           <a:prstGeom prst="rect">
             <a:avLst/>
@@ -6357,7 +6485,7 @@
           <a:p>
             <a:pPr algn="ctr"/>
             <a:r>
-              <a:rPr lang="en-US" sz="2000" b="1" dirty="0">
+              <a:rPr lang="en-US" b="1" dirty="0">
                 <a:solidFill>
                   <a:schemeClr val="tx2"/>
                 </a:solidFill>
@@ -6368,7 +6496,7 @@
           <a:p>
             <a:pPr algn="ctr"/>
             <a:r>
-              <a:rPr lang="en-US" sz="2000" b="1" dirty="0">
+              <a:rPr lang="en-US" b="1" dirty="0">
                 <a:solidFill>
                   <a:schemeClr val="tx2"/>
                 </a:solidFill>
@@ -6379,7 +6507,7 @@
           <a:p>
             <a:pPr algn="ctr"/>
             <a:r>
-              <a:rPr lang="en-US" sz="2000" b="1" dirty="0">
+              <a:rPr lang="en-US" b="1" dirty="0">
                 <a:solidFill>
                   <a:schemeClr val="tx2"/>
                 </a:solidFill>
@@ -6390,7 +6518,7 @@
           <a:p>
             <a:pPr algn="ctr"/>
             <a:r>
-              <a:rPr lang="en-US" sz="2000" b="1" dirty="0">
+              <a:rPr lang="en-US" b="1" dirty="0">
                 <a:solidFill>
                   <a:schemeClr val="tx2"/>
                 </a:solidFill>
@@ -6412,18 +6540,20 @@
           <p:cNvCxnSpPr>
             <a:cxnSpLocks/>
             <a:stCxn id="25" idx="2"/>
-            <a:endCxn id="13" idx="3"/>
+            <a:endCxn id="10" idx="0"/>
           </p:cNvCxnSpPr>
           <p:nvPr/>
         </p:nvCxnSpPr>
         <p:spPr>
-          <a:xfrm rot="16200000" flipH="1">
-            <a:off x="6164912" y="-59707"/>
-            <a:ext cx="152653" cy="1991374"/>
+          <a:xfrm rot="5400000" flipH="1" flipV="1">
+            <a:off x="6062329" y="393352"/>
+            <a:ext cx="51725" cy="2230277"/>
           </a:xfrm>
-          <a:prstGeom prst="curvedConnector3">
+          <a:prstGeom prst="curvedConnector5">
             <a:avLst>
-              <a:gd name="adj1" fmla="val 50000"/>
+              <a:gd name="adj1" fmla="val -441953"/>
+              <a:gd name="adj2" fmla="val 52480"/>
+              <a:gd name="adj3" fmla="val 541953"/>
             </a:avLst>
           </a:prstGeom>
           <a:ln>
@@ -6459,8 +6589,8 @@
         </p:nvSpPr>
         <p:spPr>
           <a:xfrm>
-            <a:off x="6861899" y="4795893"/>
-            <a:ext cx="3565766" cy="1973884"/>
+            <a:off x="4465648" y="4562015"/>
+            <a:ext cx="2930671" cy="1575651"/>
           </a:xfrm>
           <a:prstGeom prst="ellipse">
             <a:avLst/>
@@ -6590,7 +6720,7 @@
           <p:nvPr/>
         </p:nvPicPr>
         <p:blipFill>
-          <a:blip r:embed="rId15"/>
+          <a:blip r:embed="rId16"/>
           <a:stretch>
             <a:fillRect/>
           </a:stretch>
@@ -6620,10 +6750,10 @@
           <p:nvPr/>
         </p:nvPicPr>
         <p:blipFill>
-          <a:blip r:embed="rId16">
+          <a:blip r:embed="rId17">
             <a:extLst>
               <a:ext uri="{96DAC541-7B7A-43D3-8B79-37D633B846F1}">
-                <asvg:svgBlip xmlns:asvg="http://schemas.microsoft.com/office/drawing/2016/SVG/main" r:embed="rId17"/>
+                <asvg:svgBlip xmlns:asvg="http://schemas.microsoft.com/office/drawing/2016/SVG/main" r:embed="rId18"/>
               </a:ext>
             </a:extLst>
           </a:blip>
@@ -6633,8 +6763,8 @@
         </p:blipFill>
         <p:spPr>
           <a:xfrm>
-            <a:off x="156149" y="1754141"/>
-            <a:ext cx="722501" cy="722501"/>
+            <a:off x="218845" y="1606768"/>
+            <a:ext cx="597108" cy="597108"/>
           </a:xfrm>
           <a:prstGeom prst="rect">
             <a:avLst/>
@@ -6656,10 +6786,10 @@
           <p:nvPr/>
         </p:nvPicPr>
         <p:blipFill>
-          <a:blip r:embed="rId18">
+          <a:blip r:embed="rId19">
             <a:extLst>
               <a:ext uri="{96DAC541-7B7A-43D3-8B79-37D633B846F1}">
-                <asvg:svgBlip xmlns:asvg="http://schemas.microsoft.com/office/drawing/2016/SVG/main" r:embed="rId19"/>
+                <asvg:svgBlip xmlns:asvg="http://schemas.microsoft.com/office/drawing/2016/SVG/main" r:embed="rId20"/>
               </a:ext>
             </a:extLst>
           </a:blip>
@@ -6669,8 +6799,8 @@
         </p:blipFill>
         <p:spPr>
           <a:xfrm>
-            <a:off x="451412" y="4255275"/>
-            <a:ext cx="675334" cy="675334"/>
+            <a:off x="731466" y="3622117"/>
+            <a:ext cx="254361" cy="254361"/>
           </a:xfrm>
           <a:prstGeom prst="rect">
             <a:avLst/>
@@ -6692,10 +6822,10 @@
           <p:nvPr/>
         </p:nvPicPr>
         <p:blipFill>
-          <a:blip r:embed="rId20">
+          <a:blip r:embed="rId21">
             <a:extLst>
               <a:ext uri="{96DAC541-7B7A-43D3-8B79-37D633B846F1}">
-                <asvg:svgBlip xmlns:asvg="http://schemas.microsoft.com/office/drawing/2016/SVG/main" r:embed="rId21"/>
+                <asvg:svgBlip xmlns:asvg="http://schemas.microsoft.com/office/drawing/2016/SVG/main" r:embed="rId22"/>
               </a:ext>
             </a:extLst>
           </a:blip>
@@ -6705,8 +6835,371 @@
         </p:blipFill>
         <p:spPr>
           <a:xfrm>
-            <a:off x="94712" y="3752231"/>
-            <a:ext cx="901605" cy="901605"/>
+            <a:off x="176906" y="3501497"/>
+            <a:ext cx="640002" cy="640002"/>
+          </a:xfrm>
+          <a:prstGeom prst="rect">
+            <a:avLst/>
+          </a:prstGeom>
+        </p:spPr>
+      </p:pic>
+      <p:sp>
+        <p:nvSpPr>
+          <p:cNvPr id="2" name="Rectangle 1">
+            <a:extLst>
+              <a:ext uri="{FF2B5EF4-FFF2-40B4-BE49-F238E27FC236}">
+                <a16:creationId xmlns:a16="http://schemas.microsoft.com/office/drawing/2014/main" id="{79A09473-E6AF-D541-9B35-A4CD6AA280D3}"/>
+              </a:ext>
+            </a:extLst>
+          </p:cNvPr>
+          <p:cNvSpPr/>
+          <p:nvPr/>
+        </p:nvSpPr>
+        <p:spPr>
+          <a:xfrm>
+            <a:off x="7612577" y="4585244"/>
+            <a:ext cx="4579423" cy="2246769"/>
+          </a:xfrm>
+          <a:prstGeom prst="rect">
+            <a:avLst/>
+          </a:prstGeom>
+        </p:spPr>
+        <p:txBody>
+          <a:bodyPr wrap="square">
+            <a:spAutoFit/>
+          </a:bodyPr>
+          <a:lstStyle/>
+          <a:p>
+            <a:pPr marL="342900" indent="-342900">
+              <a:buFont typeface="Arial" panose="020B0604020202020204" pitchFamily="34" charset="0"/>
+              <a:buChar char="•"/>
+            </a:pPr>
+            <a:r>
+              <a:rPr lang="en-US" sz="2000" b="1" dirty="0">
+                <a:solidFill>
+                  <a:schemeClr val="tx2"/>
+                </a:solidFill>
+              </a:rPr>
+              <a:t>Interactive website </a:t>
+            </a:r>
+          </a:p>
+          <a:p>
+            <a:pPr marL="342900" indent="-342900">
+              <a:buFont typeface="Arial" panose="020B0604020202020204" pitchFamily="34" charset="0"/>
+              <a:buChar char="•"/>
+            </a:pPr>
+            <a:r>
+              <a:rPr lang="en-US" sz="2000" b="1" dirty="0">
+                <a:solidFill>
+                  <a:schemeClr val="tx2"/>
+                </a:solidFill>
+              </a:rPr>
+              <a:t>Scalable</a:t>
+            </a:r>
+          </a:p>
+          <a:p>
+            <a:pPr marL="342900" indent="-342900">
+              <a:buFont typeface="Arial" panose="020B0604020202020204" pitchFamily="34" charset="0"/>
+              <a:buChar char="•"/>
+            </a:pPr>
+            <a:r>
+              <a:rPr lang="en-US" sz="2000" b="1" dirty="0">
+                <a:solidFill>
+                  <a:schemeClr val="tx2"/>
+                </a:solidFill>
+              </a:rPr>
+              <a:t>Accessed by web browsers</a:t>
+            </a:r>
+          </a:p>
+          <a:p>
+            <a:pPr marL="342900" indent="-342900">
+              <a:buFont typeface="Arial" panose="020B0604020202020204" pitchFamily="34" charset="0"/>
+              <a:buChar char="•"/>
+            </a:pPr>
+            <a:r>
+              <a:rPr lang="en-US" sz="2000" b="1" dirty="0">
+                <a:solidFill>
+                  <a:schemeClr val="tx2"/>
+                </a:solidFill>
+              </a:rPr>
+              <a:t>Based on WMN based network</a:t>
+            </a:r>
+          </a:p>
+          <a:p>
+            <a:pPr marL="342900" indent="-342900">
+              <a:buFont typeface="Arial" panose="020B0604020202020204" pitchFamily="34" charset="0"/>
+              <a:buChar char="•"/>
+            </a:pPr>
+            <a:r>
+              <a:rPr lang="en-US" sz="2000" b="1" dirty="0">
+                <a:solidFill>
+                  <a:schemeClr val="tx2"/>
+                </a:solidFill>
+              </a:rPr>
+              <a:t>All components containerized</a:t>
+            </a:r>
+          </a:p>
+          <a:p>
+            <a:pPr marL="342900" indent="-342900">
+              <a:buFont typeface="Arial" panose="020B0604020202020204" pitchFamily="34" charset="0"/>
+              <a:buChar char="•"/>
+            </a:pPr>
+            <a:r>
+              <a:rPr lang="en-US" sz="2000" b="1" dirty="0">
+                <a:solidFill>
+                  <a:schemeClr val="tx2"/>
+                </a:solidFill>
+              </a:rPr>
+              <a:t>Backend Part implemented in spring-boot/Java </a:t>
+            </a:r>
+          </a:p>
+        </p:txBody>
+      </p:sp>
+      <p:sp>
+        <p:nvSpPr>
+          <p:cNvPr id="40" name="TextBox 39">
+            <a:extLst>
+              <a:ext uri="{FF2B5EF4-FFF2-40B4-BE49-F238E27FC236}">
+                <a16:creationId xmlns:a16="http://schemas.microsoft.com/office/drawing/2014/main" id="{736542ED-4DC4-9047-877E-265D95B4F866}"/>
+              </a:ext>
+            </a:extLst>
+          </p:cNvPr>
+          <p:cNvSpPr txBox="1"/>
+          <p:nvPr/>
+        </p:nvSpPr>
+        <p:spPr>
+          <a:xfrm>
+            <a:off x="8382756" y="4206623"/>
+            <a:ext cx="2574278" cy="369332"/>
+          </a:xfrm>
+          <a:prstGeom prst="rect">
+            <a:avLst/>
+          </a:prstGeom>
+          <a:noFill/>
+        </p:spPr>
+        <p:txBody>
+          <a:bodyPr wrap="square" rtlCol="0">
+            <a:spAutoFit/>
+          </a:bodyPr>
+          <a:lstStyle/>
+          <a:p>
+            <a:r>
+              <a:rPr lang="en-US" u="sng" dirty="0"/>
+              <a:t>Requirements Completed</a:t>
+            </a:r>
+          </a:p>
+        </p:txBody>
+      </p:sp>
+      <p:pic>
+        <p:nvPicPr>
+          <p:cNvPr id="78" name="Graphic 77" descr="Badge Tick1 with solid fill">
+            <a:extLst>
+              <a:ext uri="{FF2B5EF4-FFF2-40B4-BE49-F238E27FC236}">
+                <a16:creationId xmlns:a16="http://schemas.microsoft.com/office/drawing/2014/main" id="{2554CBD4-9C37-974F-9E0D-C932790D9323}"/>
+              </a:ext>
+            </a:extLst>
+          </p:cNvPr>
+          <p:cNvPicPr>
+            <a:picLocks noChangeAspect="1"/>
+          </p:cNvPicPr>
+          <p:nvPr/>
+        </p:nvPicPr>
+        <p:blipFill>
+          <a:blip r:embed="rId23">
+            <a:extLst>
+              <a:ext uri="{96DAC541-7B7A-43D3-8B79-37D633B846F1}">
+                <asvg:svgBlip xmlns:asvg="http://schemas.microsoft.com/office/drawing/2016/SVG/main" r:embed="rId24"/>
+              </a:ext>
+            </a:extLst>
+          </a:blip>
+          <a:stretch>
+            <a:fillRect/>
+          </a:stretch>
+        </p:blipFill>
+        <p:spPr>
+          <a:xfrm>
+            <a:off x="10094397" y="4613336"/>
+            <a:ext cx="331549" cy="331549"/>
+          </a:xfrm>
+          <a:prstGeom prst="rect">
+            <a:avLst/>
+          </a:prstGeom>
+        </p:spPr>
+      </p:pic>
+      <p:pic>
+        <p:nvPicPr>
+          <p:cNvPr id="79" name="Graphic 78" descr="Badge Tick1 with solid fill">
+            <a:extLst>
+              <a:ext uri="{FF2B5EF4-FFF2-40B4-BE49-F238E27FC236}">
+                <a16:creationId xmlns:a16="http://schemas.microsoft.com/office/drawing/2014/main" id="{33DEC74E-DA1C-D54B-93A8-D0F1134CAA6D}"/>
+              </a:ext>
+            </a:extLst>
+          </p:cNvPr>
+          <p:cNvPicPr>
+            <a:picLocks noChangeAspect="1"/>
+          </p:cNvPicPr>
+          <p:nvPr/>
+        </p:nvPicPr>
+        <p:blipFill>
+          <a:blip r:embed="rId23">
+            <a:extLst>
+              <a:ext uri="{96DAC541-7B7A-43D3-8B79-37D633B846F1}">
+                <asvg:svgBlip xmlns:asvg="http://schemas.microsoft.com/office/drawing/2016/SVG/main" r:embed="rId24"/>
+              </a:ext>
+            </a:extLst>
+          </a:blip>
+          <a:stretch>
+            <a:fillRect/>
+          </a:stretch>
+        </p:blipFill>
+        <p:spPr>
+          <a:xfrm>
+            <a:off x="9008482" y="4917933"/>
+            <a:ext cx="331549" cy="331549"/>
+          </a:xfrm>
+          <a:prstGeom prst="rect">
+            <a:avLst/>
+          </a:prstGeom>
+        </p:spPr>
+      </p:pic>
+      <p:pic>
+        <p:nvPicPr>
+          <p:cNvPr id="80" name="Graphic 79" descr="Badge Tick1 with solid fill">
+            <a:extLst>
+              <a:ext uri="{FF2B5EF4-FFF2-40B4-BE49-F238E27FC236}">
+                <a16:creationId xmlns:a16="http://schemas.microsoft.com/office/drawing/2014/main" id="{C481404E-0CE8-334F-B0C4-AB159BF3B562}"/>
+              </a:ext>
+            </a:extLst>
+          </p:cNvPr>
+          <p:cNvPicPr>
+            <a:picLocks noChangeAspect="1"/>
+          </p:cNvPicPr>
+          <p:nvPr/>
+        </p:nvPicPr>
+        <p:blipFill>
+          <a:blip r:embed="rId23">
+            <a:extLst>
+              <a:ext uri="{96DAC541-7B7A-43D3-8B79-37D633B846F1}">
+                <asvg:svgBlip xmlns:asvg="http://schemas.microsoft.com/office/drawing/2016/SVG/main" r:embed="rId24"/>
+              </a:ext>
+            </a:extLst>
+          </a:blip>
+          <a:stretch>
+            <a:fillRect/>
+          </a:stretch>
+        </p:blipFill>
+        <p:spPr>
+          <a:xfrm>
+            <a:off x="10957034" y="5232946"/>
+            <a:ext cx="331549" cy="331549"/>
+          </a:xfrm>
+          <a:prstGeom prst="rect">
+            <a:avLst/>
+          </a:prstGeom>
+        </p:spPr>
+      </p:pic>
+      <p:pic>
+        <p:nvPicPr>
+          <p:cNvPr id="81" name="Graphic 80" descr="Badge Tick1 with solid fill">
+            <a:extLst>
+              <a:ext uri="{FF2B5EF4-FFF2-40B4-BE49-F238E27FC236}">
+                <a16:creationId xmlns:a16="http://schemas.microsoft.com/office/drawing/2014/main" id="{98C5965A-2D03-CB47-9CE3-A2A85CBADEEA}"/>
+              </a:ext>
+            </a:extLst>
+          </p:cNvPr>
+          <p:cNvPicPr>
+            <a:picLocks noChangeAspect="1"/>
+          </p:cNvPicPr>
+          <p:nvPr/>
+        </p:nvPicPr>
+        <p:blipFill>
+          <a:blip r:embed="rId23">
+            <a:extLst>
+              <a:ext uri="{96DAC541-7B7A-43D3-8B79-37D633B846F1}">
+                <asvg:svgBlip xmlns:asvg="http://schemas.microsoft.com/office/drawing/2016/SVG/main" r:embed="rId24"/>
+              </a:ext>
+            </a:extLst>
+          </a:blip>
+          <a:stretch>
+            <a:fillRect/>
+          </a:stretch>
+        </p:blipFill>
+        <p:spPr>
+          <a:xfrm>
+            <a:off x="11368534" y="5564495"/>
+            <a:ext cx="331549" cy="331549"/>
+          </a:xfrm>
+          <a:prstGeom prst="rect">
+            <a:avLst/>
+          </a:prstGeom>
+        </p:spPr>
+      </p:pic>
+      <p:pic>
+        <p:nvPicPr>
+          <p:cNvPr id="82" name="Graphic 81" descr="Badge Tick1 with solid fill">
+            <a:extLst>
+              <a:ext uri="{FF2B5EF4-FFF2-40B4-BE49-F238E27FC236}">
+                <a16:creationId xmlns:a16="http://schemas.microsoft.com/office/drawing/2014/main" id="{75747397-A8E2-5B4B-B7AA-16C6EFAF31AE}"/>
+              </a:ext>
+            </a:extLst>
+          </p:cNvPr>
+          <p:cNvPicPr>
+            <a:picLocks noChangeAspect="1"/>
+          </p:cNvPicPr>
+          <p:nvPr/>
+        </p:nvPicPr>
+        <p:blipFill>
+          <a:blip r:embed="rId23">
+            <a:extLst>
+              <a:ext uri="{96DAC541-7B7A-43D3-8B79-37D633B846F1}">
+                <asvg:svgBlip xmlns:asvg="http://schemas.microsoft.com/office/drawing/2016/SVG/main" r:embed="rId24"/>
+              </a:ext>
+            </a:extLst>
+          </a:blip>
+          <a:stretch>
+            <a:fillRect/>
+          </a:stretch>
+        </p:blipFill>
+        <p:spPr>
+          <a:xfrm>
+            <a:off x="11187000" y="5828587"/>
+            <a:ext cx="331549" cy="331549"/>
+          </a:xfrm>
+          <a:prstGeom prst="rect">
+            <a:avLst/>
+          </a:prstGeom>
+        </p:spPr>
+      </p:pic>
+      <p:pic>
+        <p:nvPicPr>
+          <p:cNvPr id="83" name="Graphic 82" descr="Badge Tick1 with solid fill">
+            <a:extLst>
+              <a:ext uri="{FF2B5EF4-FFF2-40B4-BE49-F238E27FC236}">
+                <a16:creationId xmlns:a16="http://schemas.microsoft.com/office/drawing/2014/main" id="{2AEE8045-78BF-3B43-A5BB-5A0B4674C6A3}"/>
+              </a:ext>
+            </a:extLst>
+          </p:cNvPr>
+          <p:cNvPicPr>
+            <a:picLocks noChangeAspect="1"/>
+          </p:cNvPicPr>
+          <p:nvPr/>
+        </p:nvPicPr>
+        <p:blipFill>
+          <a:blip r:embed="rId23">
+            <a:extLst>
+              <a:ext uri="{96DAC541-7B7A-43D3-8B79-37D633B846F1}">
+                <asvg:svgBlip xmlns:asvg="http://schemas.microsoft.com/office/drawing/2016/SVG/main" r:embed="rId24"/>
+              </a:ext>
+            </a:extLst>
+          </a:blip>
+          <a:stretch>
+            <a:fillRect/>
+          </a:stretch>
+        </p:blipFill>
+        <p:spPr>
+          <a:xfrm>
+            <a:off x="9203224" y="6446685"/>
+            <a:ext cx="331549" cy="331549"/>
           </a:xfrm>
           <a:prstGeom prst="rect">
             <a:avLst/>
@@ -9858,7 +10351,7 @@
                                           </p:stCondLst>
                                         </p:cTn>
                                         <p:tgtEl>
-                                          <p:spTgt spid="29"/>
+                                          <p:spTgt spid="2"/>
                                         </p:tgtEl>
                                         <p:attrNameLst>
                                           <p:attrName>style.visibility</p:attrName>
@@ -9872,7 +10365,7 @@
                                       <p:cBhvr>
                                         <p:cTn id="181" dur="1000" fill="hold"/>
                                         <p:tgtEl>
-                                          <p:spTgt spid="29"/>
+                                          <p:spTgt spid="2"/>
                                         </p:tgtEl>
                                         <p:attrNameLst>
                                           <p:attrName>ppt_w</p:attrName>
@@ -9895,7 +10388,7 @@
                                       <p:cBhvr>
                                         <p:cTn id="182" dur="1000" fill="hold"/>
                                         <p:tgtEl>
-                                          <p:spTgt spid="29"/>
+                                          <p:spTgt spid="2"/>
                                         </p:tgtEl>
                                         <p:attrNameLst>
                                           <p:attrName>ppt_h</p:attrName>
@@ -9918,7 +10411,7 @@
                                       <p:cBhvr>
                                         <p:cTn id="183" dur="1000" fill="hold"/>
                                         <p:tgtEl>
-                                          <p:spTgt spid="29"/>
+                                          <p:spTgt spid="2"/>
                                         </p:tgtEl>
                                         <p:attrNameLst>
                                           <p:attrName>style.rotation</p:attrName>
@@ -9941,7 +10434,7 @@
                                       <p:cBhvr>
                                         <p:cTn id="184" dur="1000"/>
                                         <p:tgtEl>
-                                          <p:spTgt spid="29"/>
+                                          <p:spTgt spid="2"/>
                                         </p:tgtEl>
                                       </p:cBhvr>
                                     </p:animEffect>
@@ -10049,6 +10542,670 @@
                                         </p:tgtEl>
                                       </p:cBhvr>
                                     </p:animEffect>
+                                  </p:childTnLst>
+                                </p:cTn>
+                              </p:par>
+                              <p:par>
+                                <p:cTn id="191" presetID="31" presetClass="entr" presetSubtype="0" fill="hold" grpId="0" nodeType="withEffect">
+                                  <p:stCondLst>
+                                    <p:cond delay="0"/>
+                                  </p:stCondLst>
+                                  <p:childTnLst>
+                                    <p:set>
+                                      <p:cBhvr>
+                                        <p:cTn id="192" dur="1" fill="hold">
+                                          <p:stCondLst>
+                                            <p:cond delay="0"/>
+                                          </p:stCondLst>
+                                        </p:cTn>
+                                        <p:tgtEl>
+                                          <p:spTgt spid="29"/>
+                                        </p:tgtEl>
+                                        <p:attrNameLst>
+                                          <p:attrName>style.visibility</p:attrName>
+                                        </p:attrNameLst>
+                                      </p:cBhvr>
+                                      <p:to>
+                                        <p:strVal val="visible"/>
+                                      </p:to>
+                                    </p:set>
+                                    <p:anim calcmode="lin" valueType="num">
+                                      <p:cBhvr>
+                                        <p:cTn id="193" dur="1000" fill="hold"/>
+                                        <p:tgtEl>
+                                          <p:spTgt spid="29"/>
+                                        </p:tgtEl>
+                                        <p:attrNameLst>
+                                          <p:attrName>ppt_w</p:attrName>
+                                        </p:attrNameLst>
+                                      </p:cBhvr>
+                                      <p:tavLst>
+                                        <p:tav tm="0">
+                                          <p:val>
+                                            <p:fltVal val="0"/>
+                                          </p:val>
+                                        </p:tav>
+                                        <p:tav tm="100000">
+                                          <p:val>
+                                            <p:strVal val="#ppt_w"/>
+                                          </p:val>
+                                        </p:tav>
+                                      </p:tavLst>
+                                    </p:anim>
+                                    <p:anim calcmode="lin" valueType="num">
+                                      <p:cBhvr>
+                                        <p:cTn id="194" dur="1000" fill="hold"/>
+                                        <p:tgtEl>
+                                          <p:spTgt spid="29"/>
+                                        </p:tgtEl>
+                                        <p:attrNameLst>
+                                          <p:attrName>ppt_h</p:attrName>
+                                        </p:attrNameLst>
+                                      </p:cBhvr>
+                                      <p:tavLst>
+                                        <p:tav tm="0">
+                                          <p:val>
+                                            <p:fltVal val="0"/>
+                                          </p:val>
+                                        </p:tav>
+                                        <p:tav tm="100000">
+                                          <p:val>
+                                            <p:strVal val="#ppt_h"/>
+                                          </p:val>
+                                        </p:tav>
+                                      </p:tavLst>
+                                    </p:anim>
+                                    <p:anim calcmode="lin" valueType="num">
+                                      <p:cBhvr>
+                                        <p:cTn id="195" dur="1000" fill="hold"/>
+                                        <p:tgtEl>
+                                          <p:spTgt spid="29"/>
+                                        </p:tgtEl>
+                                        <p:attrNameLst>
+                                          <p:attrName>style.rotation</p:attrName>
+                                        </p:attrNameLst>
+                                      </p:cBhvr>
+                                      <p:tavLst>
+                                        <p:tav tm="0">
+                                          <p:val>
+                                            <p:fltVal val="90"/>
+                                          </p:val>
+                                        </p:tav>
+                                        <p:tav tm="100000">
+                                          <p:val>
+                                            <p:fltVal val="0"/>
+                                          </p:val>
+                                        </p:tav>
+                                      </p:tavLst>
+                                    </p:anim>
+                                    <p:animEffect transition="in" filter="fade">
+                                      <p:cBhvr>
+                                        <p:cTn id="196" dur="1000"/>
+                                        <p:tgtEl>
+                                          <p:spTgt spid="29"/>
+                                        </p:tgtEl>
+                                      </p:cBhvr>
+                                    </p:animEffect>
+                                  </p:childTnLst>
+                                </p:cTn>
+                              </p:par>
+                              <p:par>
+                                <p:cTn id="197" presetID="31" presetClass="entr" presetSubtype="0" fill="hold" grpId="0" nodeType="withEffect">
+                                  <p:stCondLst>
+                                    <p:cond delay="0"/>
+                                  </p:stCondLst>
+                                  <p:childTnLst>
+                                    <p:set>
+                                      <p:cBhvr>
+                                        <p:cTn id="198" dur="1" fill="hold">
+                                          <p:stCondLst>
+                                            <p:cond delay="0"/>
+                                          </p:stCondLst>
+                                        </p:cTn>
+                                        <p:tgtEl>
+                                          <p:spTgt spid="40"/>
+                                        </p:tgtEl>
+                                        <p:attrNameLst>
+                                          <p:attrName>style.visibility</p:attrName>
+                                        </p:attrNameLst>
+                                      </p:cBhvr>
+                                      <p:to>
+                                        <p:strVal val="visible"/>
+                                      </p:to>
+                                    </p:set>
+                                    <p:anim calcmode="lin" valueType="num">
+                                      <p:cBhvr>
+                                        <p:cTn id="199" dur="1000" fill="hold"/>
+                                        <p:tgtEl>
+                                          <p:spTgt spid="40"/>
+                                        </p:tgtEl>
+                                        <p:attrNameLst>
+                                          <p:attrName>ppt_w</p:attrName>
+                                        </p:attrNameLst>
+                                      </p:cBhvr>
+                                      <p:tavLst>
+                                        <p:tav tm="0">
+                                          <p:val>
+                                            <p:fltVal val="0"/>
+                                          </p:val>
+                                        </p:tav>
+                                        <p:tav tm="100000">
+                                          <p:val>
+                                            <p:strVal val="#ppt_w"/>
+                                          </p:val>
+                                        </p:tav>
+                                      </p:tavLst>
+                                    </p:anim>
+                                    <p:anim calcmode="lin" valueType="num">
+                                      <p:cBhvr>
+                                        <p:cTn id="200" dur="1000" fill="hold"/>
+                                        <p:tgtEl>
+                                          <p:spTgt spid="40"/>
+                                        </p:tgtEl>
+                                        <p:attrNameLst>
+                                          <p:attrName>ppt_h</p:attrName>
+                                        </p:attrNameLst>
+                                      </p:cBhvr>
+                                      <p:tavLst>
+                                        <p:tav tm="0">
+                                          <p:val>
+                                            <p:fltVal val="0"/>
+                                          </p:val>
+                                        </p:tav>
+                                        <p:tav tm="100000">
+                                          <p:val>
+                                            <p:strVal val="#ppt_h"/>
+                                          </p:val>
+                                        </p:tav>
+                                      </p:tavLst>
+                                    </p:anim>
+                                    <p:anim calcmode="lin" valueType="num">
+                                      <p:cBhvr>
+                                        <p:cTn id="201" dur="1000" fill="hold"/>
+                                        <p:tgtEl>
+                                          <p:spTgt spid="40"/>
+                                        </p:tgtEl>
+                                        <p:attrNameLst>
+                                          <p:attrName>style.rotation</p:attrName>
+                                        </p:attrNameLst>
+                                      </p:cBhvr>
+                                      <p:tavLst>
+                                        <p:tav tm="0">
+                                          <p:val>
+                                            <p:fltVal val="90"/>
+                                          </p:val>
+                                        </p:tav>
+                                        <p:tav tm="100000">
+                                          <p:val>
+                                            <p:fltVal val="0"/>
+                                          </p:val>
+                                        </p:tav>
+                                      </p:tavLst>
+                                    </p:anim>
+                                    <p:animEffect transition="in" filter="fade">
+                                      <p:cBhvr>
+                                        <p:cTn id="202" dur="1000"/>
+                                        <p:tgtEl>
+                                          <p:spTgt spid="40"/>
+                                        </p:tgtEl>
+                                      </p:cBhvr>
+                                    </p:animEffect>
+                                  </p:childTnLst>
+                                </p:cTn>
+                              </p:par>
+                            </p:childTnLst>
+                          </p:cTn>
+                        </p:par>
+                      </p:childTnLst>
+                    </p:cTn>
+                  </p:par>
+                  <p:par>
+                    <p:cTn id="203" fill="hold">
+                      <p:stCondLst>
+                        <p:cond delay="indefinite"/>
+                      </p:stCondLst>
+                      <p:childTnLst>
+                        <p:par>
+                          <p:cTn id="204" fill="hold">
+                            <p:stCondLst>
+                              <p:cond delay="0"/>
+                            </p:stCondLst>
+                            <p:childTnLst>
+                              <p:par>
+                                <p:cTn id="205" presetID="23" presetClass="entr" presetSubtype="16" fill="hold" nodeType="clickEffect">
+                                  <p:stCondLst>
+                                    <p:cond delay="0"/>
+                                  </p:stCondLst>
+                                  <p:childTnLst>
+                                    <p:set>
+                                      <p:cBhvr>
+                                        <p:cTn id="206" dur="1" fill="hold">
+                                          <p:stCondLst>
+                                            <p:cond delay="0"/>
+                                          </p:stCondLst>
+                                        </p:cTn>
+                                        <p:tgtEl>
+                                          <p:spTgt spid="78"/>
+                                        </p:tgtEl>
+                                        <p:attrNameLst>
+                                          <p:attrName>style.visibility</p:attrName>
+                                        </p:attrNameLst>
+                                      </p:cBhvr>
+                                      <p:to>
+                                        <p:strVal val="visible"/>
+                                      </p:to>
+                                    </p:set>
+                                    <p:anim calcmode="lin" valueType="num">
+                                      <p:cBhvr>
+                                        <p:cTn id="207" dur="500" fill="hold"/>
+                                        <p:tgtEl>
+                                          <p:spTgt spid="78"/>
+                                        </p:tgtEl>
+                                        <p:attrNameLst>
+                                          <p:attrName>ppt_w</p:attrName>
+                                        </p:attrNameLst>
+                                      </p:cBhvr>
+                                      <p:tavLst>
+                                        <p:tav tm="0">
+                                          <p:val>
+                                            <p:fltVal val="0"/>
+                                          </p:val>
+                                        </p:tav>
+                                        <p:tav tm="100000">
+                                          <p:val>
+                                            <p:strVal val="#ppt_w"/>
+                                          </p:val>
+                                        </p:tav>
+                                      </p:tavLst>
+                                    </p:anim>
+                                    <p:anim calcmode="lin" valueType="num">
+                                      <p:cBhvr>
+                                        <p:cTn id="208" dur="500" fill="hold"/>
+                                        <p:tgtEl>
+                                          <p:spTgt spid="78"/>
+                                        </p:tgtEl>
+                                        <p:attrNameLst>
+                                          <p:attrName>ppt_h</p:attrName>
+                                        </p:attrNameLst>
+                                      </p:cBhvr>
+                                      <p:tavLst>
+                                        <p:tav tm="0">
+                                          <p:val>
+                                            <p:fltVal val="0"/>
+                                          </p:val>
+                                        </p:tav>
+                                        <p:tav tm="100000">
+                                          <p:val>
+                                            <p:strVal val="#ppt_h"/>
+                                          </p:val>
+                                        </p:tav>
+                                      </p:tavLst>
+                                    </p:anim>
+                                  </p:childTnLst>
+                                </p:cTn>
+                              </p:par>
+                              <p:par>
+                                <p:cTn id="209" presetID="23" presetClass="entr" presetSubtype="16" fill="hold" nodeType="withEffect">
+                                  <p:stCondLst>
+                                    <p:cond delay="0"/>
+                                  </p:stCondLst>
+                                  <p:childTnLst>
+                                    <p:set>
+                                      <p:cBhvr>
+                                        <p:cTn id="210" dur="1" fill="hold">
+                                          <p:stCondLst>
+                                            <p:cond delay="0"/>
+                                          </p:stCondLst>
+                                        </p:cTn>
+                                        <p:tgtEl>
+                                          <p:spTgt spid="79"/>
+                                        </p:tgtEl>
+                                        <p:attrNameLst>
+                                          <p:attrName>style.visibility</p:attrName>
+                                        </p:attrNameLst>
+                                      </p:cBhvr>
+                                      <p:to>
+                                        <p:strVal val="visible"/>
+                                      </p:to>
+                                    </p:set>
+                                    <p:anim calcmode="lin" valueType="num">
+                                      <p:cBhvr>
+                                        <p:cTn id="211" dur="500" fill="hold"/>
+                                        <p:tgtEl>
+                                          <p:spTgt spid="79"/>
+                                        </p:tgtEl>
+                                        <p:attrNameLst>
+                                          <p:attrName>ppt_w</p:attrName>
+                                        </p:attrNameLst>
+                                      </p:cBhvr>
+                                      <p:tavLst>
+                                        <p:tav tm="0">
+                                          <p:val>
+                                            <p:fltVal val="0"/>
+                                          </p:val>
+                                        </p:tav>
+                                        <p:tav tm="100000">
+                                          <p:val>
+                                            <p:strVal val="#ppt_w"/>
+                                          </p:val>
+                                        </p:tav>
+                                      </p:tavLst>
+                                    </p:anim>
+                                    <p:anim calcmode="lin" valueType="num">
+                                      <p:cBhvr>
+                                        <p:cTn id="212" dur="500" fill="hold"/>
+                                        <p:tgtEl>
+                                          <p:spTgt spid="79"/>
+                                        </p:tgtEl>
+                                        <p:attrNameLst>
+                                          <p:attrName>ppt_h</p:attrName>
+                                        </p:attrNameLst>
+                                      </p:cBhvr>
+                                      <p:tavLst>
+                                        <p:tav tm="0">
+                                          <p:val>
+                                            <p:fltVal val="0"/>
+                                          </p:val>
+                                        </p:tav>
+                                        <p:tav tm="100000">
+                                          <p:val>
+                                            <p:strVal val="#ppt_h"/>
+                                          </p:val>
+                                        </p:tav>
+                                      </p:tavLst>
+                                    </p:anim>
+                                  </p:childTnLst>
+                                </p:cTn>
+                              </p:par>
+                              <p:par>
+                                <p:cTn id="213" presetID="23" presetClass="entr" presetSubtype="16" fill="hold" nodeType="withEffect">
+                                  <p:stCondLst>
+                                    <p:cond delay="0"/>
+                                  </p:stCondLst>
+                                  <p:childTnLst>
+                                    <p:set>
+                                      <p:cBhvr>
+                                        <p:cTn id="214" dur="1" fill="hold">
+                                          <p:stCondLst>
+                                            <p:cond delay="0"/>
+                                          </p:stCondLst>
+                                        </p:cTn>
+                                        <p:tgtEl>
+                                          <p:spTgt spid="80"/>
+                                        </p:tgtEl>
+                                        <p:attrNameLst>
+                                          <p:attrName>style.visibility</p:attrName>
+                                        </p:attrNameLst>
+                                      </p:cBhvr>
+                                      <p:to>
+                                        <p:strVal val="visible"/>
+                                      </p:to>
+                                    </p:set>
+                                    <p:anim calcmode="lin" valueType="num">
+                                      <p:cBhvr>
+                                        <p:cTn id="215" dur="500" fill="hold"/>
+                                        <p:tgtEl>
+                                          <p:spTgt spid="80"/>
+                                        </p:tgtEl>
+                                        <p:attrNameLst>
+                                          <p:attrName>ppt_w</p:attrName>
+                                        </p:attrNameLst>
+                                      </p:cBhvr>
+                                      <p:tavLst>
+                                        <p:tav tm="0">
+                                          <p:val>
+                                            <p:fltVal val="0"/>
+                                          </p:val>
+                                        </p:tav>
+                                        <p:tav tm="100000">
+                                          <p:val>
+                                            <p:strVal val="#ppt_w"/>
+                                          </p:val>
+                                        </p:tav>
+                                      </p:tavLst>
+                                    </p:anim>
+                                    <p:anim calcmode="lin" valueType="num">
+                                      <p:cBhvr>
+                                        <p:cTn id="216" dur="500" fill="hold"/>
+                                        <p:tgtEl>
+                                          <p:spTgt spid="80"/>
+                                        </p:tgtEl>
+                                        <p:attrNameLst>
+                                          <p:attrName>ppt_h</p:attrName>
+                                        </p:attrNameLst>
+                                      </p:cBhvr>
+                                      <p:tavLst>
+                                        <p:tav tm="0">
+                                          <p:val>
+                                            <p:fltVal val="0"/>
+                                          </p:val>
+                                        </p:tav>
+                                        <p:tav tm="100000">
+                                          <p:val>
+                                            <p:strVal val="#ppt_h"/>
+                                          </p:val>
+                                        </p:tav>
+                                      </p:tavLst>
+                                    </p:anim>
+                                  </p:childTnLst>
+                                </p:cTn>
+                              </p:par>
+                              <p:par>
+                                <p:cTn id="217" presetID="23" presetClass="entr" presetSubtype="16" fill="hold" nodeType="withEffect">
+                                  <p:stCondLst>
+                                    <p:cond delay="0"/>
+                                  </p:stCondLst>
+                                  <p:childTnLst>
+                                    <p:set>
+                                      <p:cBhvr>
+                                        <p:cTn id="218" dur="1" fill="hold">
+                                          <p:stCondLst>
+                                            <p:cond delay="0"/>
+                                          </p:stCondLst>
+                                        </p:cTn>
+                                        <p:tgtEl>
+                                          <p:spTgt spid="83"/>
+                                        </p:tgtEl>
+                                        <p:attrNameLst>
+                                          <p:attrName>style.visibility</p:attrName>
+                                        </p:attrNameLst>
+                                      </p:cBhvr>
+                                      <p:to>
+                                        <p:strVal val="visible"/>
+                                      </p:to>
+                                    </p:set>
+                                    <p:anim calcmode="lin" valueType="num">
+                                      <p:cBhvr>
+                                        <p:cTn id="219" dur="500" fill="hold"/>
+                                        <p:tgtEl>
+                                          <p:spTgt spid="83"/>
+                                        </p:tgtEl>
+                                        <p:attrNameLst>
+                                          <p:attrName>ppt_w</p:attrName>
+                                        </p:attrNameLst>
+                                      </p:cBhvr>
+                                      <p:tavLst>
+                                        <p:tav tm="0">
+                                          <p:val>
+                                            <p:fltVal val="0"/>
+                                          </p:val>
+                                        </p:tav>
+                                        <p:tav tm="100000">
+                                          <p:val>
+                                            <p:strVal val="#ppt_w"/>
+                                          </p:val>
+                                        </p:tav>
+                                      </p:tavLst>
+                                    </p:anim>
+                                    <p:anim calcmode="lin" valueType="num">
+                                      <p:cBhvr>
+                                        <p:cTn id="220" dur="500" fill="hold"/>
+                                        <p:tgtEl>
+                                          <p:spTgt spid="83"/>
+                                        </p:tgtEl>
+                                        <p:attrNameLst>
+                                          <p:attrName>ppt_h</p:attrName>
+                                        </p:attrNameLst>
+                                      </p:cBhvr>
+                                      <p:tavLst>
+                                        <p:tav tm="0">
+                                          <p:val>
+                                            <p:fltVal val="0"/>
+                                          </p:val>
+                                        </p:tav>
+                                        <p:tav tm="100000">
+                                          <p:val>
+                                            <p:strVal val="#ppt_h"/>
+                                          </p:val>
+                                        </p:tav>
+                                      </p:tavLst>
+                                    </p:anim>
+                                  </p:childTnLst>
+                                </p:cTn>
+                              </p:par>
+                              <p:par>
+                                <p:cTn id="221" presetID="23" presetClass="entr" presetSubtype="16" fill="hold" nodeType="withEffect">
+                                  <p:stCondLst>
+                                    <p:cond delay="0"/>
+                                  </p:stCondLst>
+                                  <p:childTnLst>
+                                    <p:set>
+                                      <p:cBhvr>
+                                        <p:cTn id="222" dur="1" fill="hold">
+                                          <p:stCondLst>
+                                            <p:cond delay="0"/>
+                                          </p:stCondLst>
+                                        </p:cTn>
+                                        <p:tgtEl>
+                                          <p:spTgt spid="82"/>
+                                        </p:tgtEl>
+                                        <p:attrNameLst>
+                                          <p:attrName>style.visibility</p:attrName>
+                                        </p:attrNameLst>
+                                      </p:cBhvr>
+                                      <p:to>
+                                        <p:strVal val="visible"/>
+                                      </p:to>
+                                    </p:set>
+                                    <p:anim calcmode="lin" valueType="num">
+                                      <p:cBhvr>
+                                        <p:cTn id="223" dur="500" fill="hold"/>
+                                        <p:tgtEl>
+                                          <p:spTgt spid="82"/>
+                                        </p:tgtEl>
+                                        <p:attrNameLst>
+                                          <p:attrName>ppt_w</p:attrName>
+                                        </p:attrNameLst>
+                                      </p:cBhvr>
+                                      <p:tavLst>
+                                        <p:tav tm="0">
+                                          <p:val>
+                                            <p:fltVal val="0"/>
+                                          </p:val>
+                                        </p:tav>
+                                        <p:tav tm="100000">
+                                          <p:val>
+                                            <p:strVal val="#ppt_w"/>
+                                          </p:val>
+                                        </p:tav>
+                                      </p:tavLst>
+                                    </p:anim>
+                                    <p:anim calcmode="lin" valueType="num">
+                                      <p:cBhvr>
+                                        <p:cTn id="224" dur="500" fill="hold"/>
+                                        <p:tgtEl>
+                                          <p:spTgt spid="82"/>
+                                        </p:tgtEl>
+                                        <p:attrNameLst>
+                                          <p:attrName>ppt_h</p:attrName>
+                                        </p:attrNameLst>
+                                      </p:cBhvr>
+                                      <p:tavLst>
+                                        <p:tav tm="0">
+                                          <p:val>
+                                            <p:fltVal val="0"/>
+                                          </p:val>
+                                        </p:tav>
+                                        <p:tav tm="100000">
+                                          <p:val>
+                                            <p:strVal val="#ppt_h"/>
+                                          </p:val>
+                                        </p:tav>
+                                      </p:tavLst>
+                                    </p:anim>
+                                  </p:childTnLst>
+                                </p:cTn>
+                              </p:par>
+                              <p:par>
+                                <p:cTn id="225" presetID="23" presetClass="entr" presetSubtype="16" fill="hold" nodeType="withEffect">
+                                  <p:stCondLst>
+                                    <p:cond delay="0"/>
+                                  </p:stCondLst>
+                                  <p:childTnLst>
+                                    <p:set>
+                                      <p:cBhvr>
+                                        <p:cTn id="226" dur="1" fill="hold">
+                                          <p:stCondLst>
+                                            <p:cond delay="0"/>
+                                          </p:stCondLst>
+                                        </p:cTn>
+                                        <p:tgtEl>
+                                          <p:spTgt spid="81"/>
+                                        </p:tgtEl>
+                                        <p:attrNameLst>
+                                          <p:attrName>style.visibility</p:attrName>
+                                        </p:attrNameLst>
+                                      </p:cBhvr>
+                                      <p:to>
+                                        <p:strVal val="visible"/>
+                                      </p:to>
+                                    </p:set>
+                                    <p:anim calcmode="lin" valueType="num">
+                                      <p:cBhvr>
+                                        <p:cTn id="227" dur="500" fill="hold"/>
+                                        <p:tgtEl>
+                                          <p:spTgt spid="81"/>
+                                        </p:tgtEl>
+                                        <p:attrNameLst>
+                                          <p:attrName>ppt_w</p:attrName>
+                                        </p:attrNameLst>
+                                      </p:cBhvr>
+                                      <p:tavLst>
+                                        <p:tav tm="0">
+                                          <p:val>
+                                            <p:fltVal val="0"/>
+                                          </p:val>
+                                        </p:tav>
+                                        <p:tav tm="100000">
+                                          <p:val>
+                                            <p:strVal val="#ppt_w"/>
+                                          </p:val>
+                                        </p:tav>
+                                      </p:tavLst>
+                                    </p:anim>
+                                    <p:anim calcmode="lin" valueType="num">
+                                      <p:cBhvr>
+                                        <p:cTn id="228" dur="500" fill="hold"/>
+                                        <p:tgtEl>
+                                          <p:spTgt spid="81"/>
+                                        </p:tgtEl>
+                                        <p:attrNameLst>
+                                          <p:attrName>ppt_h</p:attrName>
+                                        </p:attrNameLst>
+                                      </p:cBhvr>
+                                      <p:tavLst>
+                                        <p:tav tm="0">
+                                          <p:val>
+                                            <p:fltVal val="0"/>
+                                          </p:val>
+                                        </p:tav>
+                                        <p:tav tm="100000">
+                                          <p:val>
+                                            <p:strVal val="#ppt_h"/>
+                                          </p:val>
+                                        </p:tav>
+                                      </p:tavLst>
+                                    </p:anim>
                                   </p:childTnLst>
                                 </p:cTn>
                               </p:par>
@@ -10107,12 +11264,14 @@
       <p:bldP spid="48" grpId="0"/>
       <p:bldP spid="29" grpId="0"/>
       <p:bldP spid="61" grpId="0" animBg="1"/>
+      <p:bldP spid="2" grpId="0"/>
+      <p:bldP spid="40" grpId="0"/>
     </p:bldLst>
   </p:timing>
 </p:sld>
 </file>
 
-<file path=ppt/slides/slide4.xml><?xml version="1.0" encoding="utf-8"?>
+<file path=ppt/slides/slide3.xml><?xml version="1.0" encoding="utf-8"?>
 <p:sld xmlns:a="http://schemas.openxmlformats.org/drawingml/2006/main" xmlns:r="http://schemas.openxmlformats.org/officeDocument/2006/relationships" xmlns:p="http://schemas.openxmlformats.org/presentationml/2006/main">
   <p:cSld>
     <p:spTree>
@@ -10134,1002 +11293,6 @@
           <p:cNvPr id="4" name="TextBox 3">
             <a:extLst>
               <a:ext uri="{FF2B5EF4-FFF2-40B4-BE49-F238E27FC236}">
-                <a16:creationId xmlns:a16="http://schemas.microsoft.com/office/drawing/2014/main" id="{761461ED-345C-C24C-8782-F4ABFC0434B4}"/>
-              </a:ext>
-            </a:extLst>
-          </p:cNvPr>
-          <p:cNvSpPr txBox="1"/>
-          <p:nvPr/>
-        </p:nvSpPr>
-        <p:spPr>
-          <a:xfrm>
-            <a:off x="902825" y="1218812"/>
-            <a:ext cx="10313043" cy="4031873"/>
-          </a:xfrm>
-          <a:prstGeom prst="rect">
-            <a:avLst/>
-          </a:prstGeom>
-          <a:noFill/>
-        </p:spPr>
-        <p:txBody>
-          <a:bodyPr wrap="square" rtlCol="0">
-            <a:spAutoFit/>
-          </a:bodyPr>
-          <a:lstStyle/>
-          <a:p>
-            <a:r>
-              <a:rPr lang="en-US" sz="3200" dirty="0"/>
-              <a:t>Interactive website</a:t>
-            </a:r>
-          </a:p>
-          <a:p>
-            <a:r>
-              <a:rPr lang="en-US" sz="3200" dirty="0"/>
-              <a:t>Scalable</a:t>
-            </a:r>
-          </a:p>
-          <a:p>
-            <a:r>
-              <a:rPr lang="en-US" sz="3200" dirty="0"/>
-              <a:t>Accessed by web browsers</a:t>
-            </a:r>
-          </a:p>
-          <a:p>
-            <a:r>
-              <a:rPr lang="en-US" sz="3200" dirty="0"/>
-              <a:t>Based on WMN based network</a:t>
-            </a:r>
-          </a:p>
-          <a:p>
-            <a:r>
-              <a:rPr lang="en-US" sz="3200" dirty="0"/>
-              <a:t>All components containerized</a:t>
-            </a:r>
-          </a:p>
-          <a:p>
-            <a:r>
-              <a:rPr lang="en-US" sz="3200" dirty="0"/>
-              <a:t>Backend Part implemented in spring-boot/ JAVA</a:t>
-            </a:r>
-          </a:p>
-          <a:p>
-            <a:endParaRPr lang="en-US" sz="3200" dirty="0"/>
-          </a:p>
-          <a:p>
-            <a:endParaRPr lang="en-US" sz="3200" dirty="0"/>
-          </a:p>
-        </p:txBody>
-      </p:sp>
-      <p:pic>
-        <p:nvPicPr>
-          <p:cNvPr id="6" name="Graphic 5" descr="Badge Tick1 with solid fill">
-            <a:extLst>
-              <a:ext uri="{FF2B5EF4-FFF2-40B4-BE49-F238E27FC236}">
-                <a16:creationId xmlns:a16="http://schemas.microsoft.com/office/drawing/2014/main" id="{6E6999B8-104C-014D-8321-B745C15646B9}"/>
-              </a:ext>
-            </a:extLst>
-          </p:cNvPr>
-          <p:cNvPicPr>
-            <a:picLocks noChangeAspect="1"/>
-          </p:cNvPicPr>
-          <p:nvPr/>
-        </p:nvPicPr>
-        <p:blipFill>
-          <a:blip r:embed="rId2">
-            <a:extLst>
-              <a:ext uri="{96DAC541-7B7A-43D3-8B79-37D633B846F1}">
-                <asvg:svgBlip xmlns:asvg="http://schemas.microsoft.com/office/drawing/2016/SVG/main" r:embed="rId3"/>
-              </a:ext>
-            </a:extLst>
-          </a:blip>
-          <a:stretch>
-            <a:fillRect/>
-          </a:stretch>
-        </p:blipFill>
-        <p:spPr>
-          <a:xfrm>
-            <a:off x="4310062" y="1218812"/>
-            <a:ext cx="581413" cy="581413"/>
-          </a:xfrm>
-          <a:prstGeom prst="rect">
-            <a:avLst/>
-          </a:prstGeom>
-        </p:spPr>
-      </p:pic>
-      <p:pic>
-        <p:nvPicPr>
-          <p:cNvPr id="7" name="Graphic 6" descr="Badge Tick1 with solid fill">
-            <a:extLst>
-              <a:ext uri="{FF2B5EF4-FFF2-40B4-BE49-F238E27FC236}">
-                <a16:creationId xmlns:a16="http://schemas.microsoft.com/office/drawing/2014/main" id="{AAD240FC-B24D-734B-971D-B4E7830AC6EC}"/>
-              </a:ext>
-            </a:extLst>
-          </p:cNvPr>
-          <p:cNvPicPr>
-            <a:picLocks noChangeAspect="1"/>
-          </p:cNvPicPr>
-          <p:nvPr/>
-        </p:nvPicPr>
-        <p:blipFill>
-          <a:blip r:embed="rId2">
-            <a:extLst>
-              <a:ext uri="{96DAC541-7B7A-43D3-8B79-37D633B846F1}">
-                <asvg:svgBlip xmlns:asvg="http://schemas.microsoft.com/office/drawing/2016/SVG/main" r:embed="rId3"/>
-              </a:ext>
-            </a:extLst>
-          </a:blip>
-          <a:stretch>
-            <a:fillRect/>
-          </a:stretch>
-        </p:blipFill>
-        <p:spPr>
-          <a:xfrm>
-            <a:off x="2547937" y="1750190"/>
-            <a:ext cx="581413" cy="581413"/>
-          </a:xfrm>
-          <a:prstGeom prst="rect">
-            <a:avLst/>
-          </a:prstGeom>
-        </p:spPr>
-      </p:pic>
-      <p:pic>
-        <p:nvPicPr>
-          <p:cNvPr id="8" name="Graphic 7" descr="Badge Tick1 with solid fill">
-            <a:extLst>
-              <a:ext uri="{FF2B5EF4-FFF2-40B4-BE49-F238E27FC236}">
-                <a16:creationId xmlns:a16="http://schemas.microsoft.com/office/drawing/2014/main" id="{0756897C-9F07-BC44-B1A2-0CC87BAC87B7}"/>
-              </a:ext>
-            </a:extLst>
-          </p:cNvPr>
-          <p:cNvPicPr>
-            <a:picLocks noChangeAspect="1"/>
-          </p:cNvPicPr>
-          <p:nvPr/>
-        </p:nvPicPr>
-        <p:blipFill>
-          <a:blip r:embed="rId2">
-            <a:extLst>
-              <a:ext uri="{96DAC541-7B7A-43D3-8B79-37D633B846F1}">
-                <asvg:svgBlip xmlns:asvg="http://schemas.microsoft.com/office/drawing/2016/SVG/main" r:embed="rId3"/>
-              </a:ext>
-            </a:extLst>
-          </a:blip>
-          <a:stretch>
-            <a:fillRect/>
-          </a:stretch>
-        </p:blipFill>
-        <p:spPr>
-          <a:xfrm>
-            <a:off x="5477933" y="2174053"/>
-            <a:ext cx="581413" cy="581413"/>
-          </a:xfrm>
-          <a:prstGeom prst="rect">
-            <a:avLst/>
-          </a:prstGeom>
-        </p:spPr>
-      </p:pic>
-      <p:pic>
-        <p:nvPicPr>
-          <p:cNvPr id="9" name="Graphic 8" descr="Badge Tick1 with solid fill">
-            <a:extLst>
-              <a:ext uri="{FF2B5EF4-FFF2-40B4-BE49-F238E27FC236}">
-                <a16:creationId xmlns:a16="http://schemas.microsoft.com/office/drawing/2014/main" id="{7B514962-DE6B-2C42-8FB2-EB591A213762}"/>
-              </a:ext>
-            </a:extLst>
-          </p:cNvPr>
-          <p:cNvPicPr>
-            <a:picLocks noChangeAspect="1"/>
-          </p:cNvPicPr>
-          <p:nvPr/>
-        </p:nvPicPr>
-        <p:blipFill>
-          <a:blip r:embed="rId2">
-            <a:extLst>
-              <a:ext uri="{96DAC541-7B7A-43D3-8B79-37D633B846F1}">
-                <asvg:svgBlip xmlns:asvg="http://schemas.microsoft.com/office/drawing/2016/SVG/main" r:embed="rId3"/>
-              </a:ext>
-            </a:extLst>
-          </a:blip>
-          <a:stretch>
-            <a:fillRect/>
-          </a:stretch>
-        </p:blipFill>
-        <p:spPr>
-          <a:xfrm>
-            <a:off x="6350051" y="2656173"/>
-            <a:ext cx="581413" cy="581413"/>
-          </a:xfrm>
-          <a:prstGeom prst="rect">
-            <a:avLst/>
-          </a:prstGeom>
-        </p:spPr>
-      </p:pic>
-      <p:pic>
-        <p:nvPicPr>
-          <p:cNvPr id="10" name="Graphic 9" descr="Badge Tick1 with solid fill">
-            <a:extLst>
-              <a:ext uri="{FF2B5EF4-FFF2-40B4-BE49-F238E27FC236}">
-                <a16:creationId xmlns:a16="http://schemas.microsoft.com/office/drawing/2014/main" id="{4F39680C-2D78-FD41-9FA3-8E179BEB192B}"/>
-              </a:ext>
-            </a:extLst>
-          </p:cNvPr>
-          <p:cNvPicPr>
-            <a:picLocks noChangeAspect="1"/>
-          </p:cNvPicPr>
-          <p:nvPr/>
-        </p:nvPicPr>
-        <p:blipFill>
-          <a:blip r:embed="rId2">
-            <a:extLst>
-              <a:ext uri="{96DAC541-7B7A-43D3-8B79-37D633B846F1}">
-                <asvg:svgBlip xmlns:asvg="http://schemas.microsoft.com/office/drawing/2016/SVG/main" r:embed="rId3"/>
-              </a:ext>
-            </a:extLst>
-          </a:blip>
-          <a:stretch>
-            <a:fillRect/>
-          </a:stretch>
-        </p:blipFill>
-        <p:spPr>
-          <a:xfrm>
-            <a:off x="5913992" y="3179767"/>
-            <a:ext cx="581413" cy="581413"/>
-          </a:xfrm>
-          <a:prstGeom prst="rect">
-            <a:avLst/>
-          </a:prstGeom>
-        </p:spPr>
-      </p:pic>
-      <p:pic>
-        <p:nvPicPr>
-          <p:cNvPr id="11" name="Graphic 10" descr="Badge Tick1 with solid fill">
-            <a:extLst>
-              <a:ext uri="{FF2B5EF4-FFF2-40B4-BE49-F238E27FC236}">
-                <a16:creationId xmlns:a16="http://schemas.microsoft.com/office/drawing/2014/main" id="{B721935F-9727-B840-BCED-E190C46F475C}"/>
-              </a:ext>
-            </a:extLst>
-          </p:cNvPr>
-          <p:cNvPicPr>
-            <a:picLocks noChangeAspect="1"/>
-          </p:cNvPicPr>
-          <p:nvPr/>
-        </p:nvPicPr>
-        <p:blipFill>
-          <a:blip r:embed="rId2">
-            <a:extLst>
-              <a:ext uri="{96DAC541-7B7A-43D3-8B79-37D633B846F1}">
-                <asvg:svgBlip xmlns:asvg="http://schemas.microsoft.com/office/drawing/2016/SVG/main" r:embed="rId3"/>
-              </a:ext>
-            </a:extLst>
-          </a:blip>
-          <a:stretch>
-            <a:fillRect/>
-          </a:stretch>
-        </p:blipFill>
-        <p:spPr>
-          <a:xfrm>
-            <a:off x="8969233" y="3715330"/>
-            <a:ext cx="581413" cy="581413"/>
-          </a:xfrm>
-          <a:prstGeom prst="rect">
-            <a:avLst/>
-          </a:prstGeom>
-        </p:spPr>
-      </p:pic>
-      <p:sp>
-        <p:nvSpPr>
-          <p:cNvPr id="12" name="TextBox 11">
-            <a:extLst>
-              <a:ext uri="{FF2B5EF4-FFF2-40B4-BE49-F238E27FC236}">
-                <a16:creationId xmlns:a16="http://schemas.microsoft.com/office/drawing/2014/main" id="{10295C4D-DEC2-AB48-B91E-6B080D63896C}"/>
-              </a:ext>
-            </a:extLst>
-          </p:cNvPr>
-          <p:cNvSpPr txBox="1"/>
-          <p:nvPr/>
-        </p:nvSpPr>
-        <p:spPr>
-          <a:xfrm>
-            <a:off x="11794603" y="6539696"/>
-            <a:ext cx="397397" cy="369332"/>
-          </a:xfrm>
-          <a:prstGeom prst="rect">
-            <a:avLst/>
-          </a:prstGeom>
-          <a:noFill/>
-        </p:spPr>
-        <p:txBody>
-          <a:bodyPr wrap="square" rtlCol="0">
-            <a:spAutoFit/>
-          </a:bodyPr>
-          <a:lstStyle/>
-          <a:p>
-            <a:pPr algn="ctr"/>
-            <a:r>
-              <a:rPr lang="en-US" dirty="0"/>
-              <a:t>3</a:t>
-            </a:r>
-          </a:p>
-        </p:txBody>
-      </p:sp>
-      <p:sp>
-        <p:nvSpPr>
-          <p:cNvPr id="13" name="TextBox 12">
-            <a:extLst>
-              <a:ext uri="{FF2B5EF4-FFF2-40B4-BE49-F238E27FC236}">
-                <a16:creationId xmlns:a16="http://schemas.microsoft.com/office/drawing/2014/main" id="{FD5AC93B-43CB-AE41-9219-3474FE326612}"/>
-              </a:ext>
-            </a:extLst>
-          </p:cNvPr>
-          <p:cNvSpPr txBox="1"/>
-          <p:nvPr/>
-        </p:nvSpPr>
-        <p:spPr>
-          <a:xfrm>
-            <a:off x="0" y="6550223"/>
-            <a:ext cx="902825" cy="307777"/>
-          </a:xfrm>
-          <a:prstGeom prst="rect">
-            <a:avLst/>
-          </a:prstGeom>
-          <a:noFill/>
-        </p:spPr>
-        <p:txBody>
-          <a:bodyPr wrap="square" rtlCol="0">
-            <a:spAutoFit/>
-          </a:bodyPr>
-          <a:lstStyle/>
-          <a:p>
-            <a:pPr algn="ctr"/>
-            <a:r>
-              <a:rPr lang="en-US" sz="1400" dirty="0">
-                <a:solidFill>
-                  <a:schemeClr val="tx2"/>
-                </a:solidFill>
-              </a:rPr>
-              <a:t>FRA-UAS</a:t>
-            </a:r>
-          </a:p>
-        </p:txBody>
-      </p:sp>
-      <p:pic>
-        <p:nvPicPr>
-          <p:cNvPr id="14" name="Picture 13" descr="Chart&#10;&#10;Description automatically generated">
-            <a:extLst>
-              <a:ext uri="{FF2B5EF4-FFF2-40B4-BE49-F238E27FC236}">
-                <a16:creationId xmlns:a16="http://schemas.microsoft.com/office/drawing/2014/main" id="{8781BBBC-9607-274D-A776-BB7A7E58F8A0}"/>
-              </a:ext>
-            </a:extLst>
-          </p:cNvPr>
-          <p:cNvPicPr>
-            <a:picLocks noChangeAspect="1"/>
-          </p:cNvPicPr>
-          <p:nvPr/>
-        </p:nvPicPr>
-        <p:blipFill>
-          <a:blip r:embed="rId4"/>
-          <a:stretch>
-            <a:fillRect/>
-          </a:stretch>
-        </p:blipFill>
-        <p:spPr>
-          <a:xfrm>
-            <a:off x="10818866" y="0"/>
-            <a:ext cx="1373133" cy="585870"/>
-          </a:xfrm>
-          <a:prstGeom prst="rect">
-            <a:avLst/>
-          </a:prstGeom>
-        </p:spPr>
-      </p:pic>
-      <p:sp>
-        <p:nvSpPr>
-          <p:cNvPr id="15" name="TextBox 14">
-            <a:extLst>
-              <a:ext uri="{FF2B5EF4-FFF2-40B4-BE49-F238E27FC236}">
-                <a16:creationId xmlns:a16="http://schemas.microsoft.com/office/drawing/2014/main" id="{D01AF5C1-F9E3-BE44-B6CB-C1DF553E885F}"/>
-              </a:ext>
-            </a:extLst>
-          </p:cNvPr>
-          <p:cNvSpPr txBox="1"/>
-          <p:nvPr/>
-        </p:nvSpPr>
-        <p:spPr>
-          <a:xfrm>
-            <a:off x="3429584" y="114179"/>
-            <a:ext cx="5840935" cy="523220"/>
-          </a:xfrm>
-          <a:prstGeom prst="rect">
-            <a:avLst/>
-          </a:prstGeom>
-          <a:noFill/>
-        </p:spPr>
-        <p:txBody>
-          <a:bodyPr wrap="square" rtlCol="0">
-            <a:spAutoFit/>
-          </a:bodyPr>
-          <a:lstStyle/>
-          <a:p>
-            <a:r>
-              <a:rPr lang="en-US" sz="2800" u="sng" dirty="0">
-                <a:solidFill>
-                  <a:schemeClr val="tx2"/>
-                </a:solidFill>
-              </a:rPr>
-              <a:t>Requirements Successfully Completed</a:t>
-            </a:r>
-          </a:p>
-        </p:txBody>
-      </p:sp>
-    </p:spTree>
-    <p:extLst>
-      <p:ext uri="{BB962C8B-B14F-4D97-AF65-F5344CB8AC3E}">
-        <p14:creationId xmlns:p14="http://schemas.microsoft.com/office/powerpoint/2010/main" val="3261416681"/>
-      </p:ext>
-    </p:extLst>
-  </p:cSld>
-  <p:clrMapOvr>
-    <a:masterClrMapping/>
-  </p:clrMapOvr>
-  <p:timing>
-    <p:tnLst>
-      <p:par>
-        <p:cTn id="1" dur="indefinite" restart="never" nodeType="tmRoot">
-          <p:childTnLst>
-            <p:seq concurrent="1" nextAc="seek">
-              <p:cTn id="2" dur="indefinite" nodeType="mainSeq">
-                <p:childTnLst>
-                  <p:par>
-                    <p:cTn id="3" fill="hold">
-                      <p:stCondLst>
-                        <p:cond delay="indefinite"/>
-                        <p:cond evt="onBegin" delay="0">
-                          <p:tn val="2"/>
-                        </p:cond>
-                      </p:stCondLst>
-                      <p:childTnLst>
-                        <p:par>
-                          <p:cTn id="4" fill="hold">
-                            <p:stCondLst>
-                              <p:cond delay="0"/>
-                            </p:stCondLst>
-                            <p:childTnLst>
-                              <p:par>
-                                <p:cTn id="5" presetID="23" presetClass="entr" presetSubtype="16" fill="hold" nodeType="afterEffect">
-                                  <p:stCondLst>
-                                    <p:cond delay="0"/>
-                                  </p:stCondLst>
-                                  <p:childTnLst>
-                                    <p:set>
-                                      <p:cBhvr>
-                                        <p:cTn id="6" dur="1" fill="hold">
-                                          <p:stCondLst>
-                                            <p:cond delay="0"/>
-                                          </p:stCondLst>
-                                        </p:cTn>
-                                        <p:tgtEl>
-                                          <p:spTgt spid="6"/>
-                                        </p:tgtEl>
-                                        <p:attrNameLst>
-                                          <p:attrName>style.visibility</p:attrName>
-                                        </p:attrNameLst>
-                                      </p:cBhvr>
-                                      <p:to>
-                                        <p:strVal val="visible"/>
-                                      </p:to>
-                                    </p:set>
-                                    <p:anim calcmode="lin" valueType="num">
-                                      <p:cBhvr>
-                                        <p:cTn id="7" dur="250" fill="hold"/>
-                                        <p:tgtEl>
-                                          <p:spTgt spid="6"/>
-                                        </p:tgtEl>
-                                        <p:attrNameLst>
-                                          <p:attrName>ppt_w</p:attrName>
-                                        </p:attrNameLst>
-                                      </p:cBhvr>
-                                      <p:tavLst>
-                                        <p:tav tm="0">
-                                          <p:val>
-                                            <p:fltVal val="0"/>
-                                          </p:val>
-                                        </p:tav>
-                                        <p:tav tm="100000">
-                                          <p:val>
-                                            <p:strVal val="#ppt_w"/>
-                                          </p:val>
-                                        </p:tav>
-                                      </p:tavLst>
-                                    </p:anim>
-                                    <p:anim calcmode="lin" valueType="num">
-                                      <p:cBhvr>
-                                        <p:cTn id="8" dur="250" fill="hold"/>
-                                        <p:tgtEl>
-                                          <p:spTgt spid="6"/>
-                                        </p:tgtEl>
-                                        <p:attrNameLst>
-                                          <p:attrName>ppt_h</p:attrName>
-                                        </p:attrNameLst>
-                                      </p:cBhvr>
-                                      <p:tavLst>
-                                        <p:tav tm="0">
-                                          <p:val>
-                                            <p:fltVal val="0"/>
-                                          </p:val>
-                                        </p:tav>
-                                        <p:tav tm="100000">
-                                          <p:val>
-                                            <p:strVal val="#ppt_h"/>
-                                          </p:val>
-                                        </p:tav>
-                                      </p:tavLst>
-                                    </p:anim>
-                                  </p:childTnLst>
-                                </p:cTn>
-                              </p:par>
-                            </p:childTnLst>
-                          </p:cTn>
-                        </p:par>
-                        <p:par>
-                          <p:cTn id="9" fill="hold">
-                            <p:stCondLst>
-                              <p:cond delay="250"/>
-                            </p:stCondLst>
-                            <p:childTnLst>
-                              <p:par>
-                                <p:cTn id="10" presetID="23" presetClass="entr" presetSubtype="16" fill="hold" nodeType="afterEffect">
-                                  <p:stCondLst>
-                                    <p:cond delay="0"/>
-                                  </p:stCondLst>
-                                  <p:childTnLst>
-                                    <p:set>
-                                      <p:cBhvr>
-                                        <p:cTn id="11" dur="1" fill="hold">
-                                          <p:stCondLst>
-                                            <p:cond delay="0"/>
-                                          </p:stCondLst>
-                                        </p:cTn>
-                                        <p:tgtEl>
-                                          <p:spTgt spid="7"/>
-                                        </p:tgtEl>
-                                        <p:attrNameLst>
-                                          <p:attrName>style.visibility</p:attrName>
-                                        </p:attrNameLst>
-                                      </p:cBhvr>
-                                      <p:to>
-                                        <p:strVal val="visible"/>
-                                      </p:to>
-                                    </p:set>
-                                    <p:anim calcmode="lin" valueType="num">
-                                      <p:cBhvr>
-                                        <p:cTn id="12" dur="250" fill="hold"/>
-                                        <p:tgtEl>
-                                          <p:spTgt spid="7"/>
-                                        </p:tgtEl>
-                                        <p:attrNameLst>
-                                          <p:attrName>ppt_w</p:attrName>
-                                        </p:attrNameLst>
-                                      </p:cBhvr>
-                                      <p:tavLst>
-                                        <p:tav tm="0">
-                                          <p:val>
-                                            <p:fltVal val="0"/>
-                                          </p:val>
-                                        </p:tav>
-                                        <p:tav tm="100000">
-                                          <p:val>
-                                            <p:strVal val="#ppt_w"/>
-                                          </p:val>
-                                        </p:tav>
-                                      </p:tavLst>
-                                    </p:anim>
-                                    <p:anim calcmode="lin" valueType="num">
-                                      <p:cBhvr>
-                                        <p:cTn id="13" dur="250" fill="hold"/>
-                                        <p:tgtEl>
-                                          <p:spTgt spid="7"/>
-                                        </p:tgtEl>
-                                        <p:attrNameLst>
-                                          <p:attrName>ppt_h</p:attrName>
-                                        </p:attrNameLst>
-                                      </p:cBhvr>
-                                      <p:tavLst>
-                                        <p:tav tm="0">
-                                          <p:val>
-                                            <p:fltVal val="0"/>
-                                          </p:val>
-                                        </p:tav>
-                                        <p:tav tm="100000">
-                                          <p:val>
-                                            <p:strVal val="#ppt_h"/>
-                                          </p:val>
-                                        </p:tav>
-                                      </p:tavLst>
-                                    </p:anim>
-                                  </p:childTnLst>
-                                </p:cTn>
-                              </p:par>
-                            </p:childTnLst>
-                          </p:cTn>
-                        </p:par>
-                        <p:par>
-                          <p:cTn id="14" fill="hold">
-                            <p:stCondLst>
-                              <p:cond delay="500"/>
-                            </p:stCondLst>
-                            <p:childTnLst>
-                              <p:par>
-                                <p:cTn id="15" presetID="23" presetClass="entr" presetSubtype="16" fill="hold" nodeType="afterEffect">
-                                  <p:stCondLst>
-                                    <p:cond delay="0"/>
-                                  </p:stCondLst>
-                                  <p:childTnLst>
-                                    <p:set>
-                                      <p:cBhvr>
-                                        <p:cTn id="16" dur="1" fill="hold">
-                                          <p:stCondLst>
-                                            <p:cond delay="0"/>
-                                          </p:stCondLst>
-                                        </p:cTn>
-                                        <p:tgtEl>
-                                          <p:spTgt spid="8"/>
-                                        </p:tgtEl>
-                                        <p:attrNameLst>
-                                          <p:attrName>style.visibility</p:attrName>
-                                        </p:attrNameLst>
-                                      </p:cBhvr>
-                                      <p:to>
-                                        <p:strVal val="visible"/>
-                                      </p:to>
-                                    </p:set>
-                                    <p:anim calcmode="lin" valueType="num">
-                                      <p:cBhvr>
-                                        <p:cTn id="17" dur="250" fill="hold"/>
-                                        <p:tgtEl>
-                                          <p:spTgt spid="8"/>
-                                        </p:tgtEl>
-                                        <p:attrNameLst>
-                                          <p:attrName>ppt_w</p:attrName>
-                                        </p:attrNameLst>
-                                      </p:cBhvr>
-                                      <p:tavLst>
-                                        <p:tav tm="0">
-                                          <p:val>
-                                            <p:fltVal val="0"/>
-                                          </p:val>
-                                        </p:tav>
-                                        <p:tav tm="100000">
-                                          <p:val>
-                                            <p:strVal val="#ppt_w"/>
-                                          </p:val>
-                                        </p:tav>
-                                      </p:tavLst>
-                                    </p:anim>
-                                    <p:anim calcmode="lin" valueType="num">
-                                      <p:cBhvr>
-                                        <p:cTn id="18" dur="250" fill="hold"/>
-                                        <p:tgtEl>
-                                          <p:spTgt spid="8"/>
-                                        </p:tgtEl>
-                                        <p:attrNameLst>
-                                          <p:attrName>ppt_h</p:attrName>
-                                        </p:attrNameLst>
-                                      </p:cBhvr>
-                                      <p:tavLst>
-                                        <p:tav tm="0">
-                                          <p:val>
-                                            <p:fltVal val="0"/>
-                                          </p:val>
-                                        </p:tav>
-                                        <p:tav tm="100000">
-                                          <p:val>
-                                            <p:strVal val="#ppt_h"/>
-                                          </p:val>
-                                        </p:tav>
-                                      </p:tavLst>
-                                    </p:anim>
-                                  </p:childTnLst>
-                                </p:cTn>
-                              </p:par>
-                            </p:childTnLst>
-                          </p:cTn>
-                        </p:par>
-                        <p:par>
-                          <p:cTn id="19" fill="hold">
-                            <p:stCondLst>
-                              <p:cond delay="750"/>
-                            </p:stCondLst>
-                            <p:childTnLst>
-                              <p:par>
-                                <p:cTn id="20" presetID="23" presetClass="entr" presetSubtype="16" fill="hold" nodeType="afterEffect">
-                                  <p:stCondLst>
-                                    <p:cond delay="0"/>
-                                  </p:stCondLst>
-                                  <p:childTnLst>
-                                    <p:set>
-                                      <p:cBhvr>
-                                        <p:cTn id="21" dur="1" fill="hold">
-                                          <p:stCondLst>
-                                            <p:cond delay="0"/>
-                                          </p:stCondLst>
-                                        </p:cTn>
-                                        <p:tgtEl>
-                                          <p:spTgt spid="9"/>
-                                        </p:tgtEl>
-                                        <p:attrNameLst>
-                                          <p:attrName>style.visibility</p:attrName>
-                                        </p:attrNameLst>
-                                      </p:cBhvr>
-                                      <p:to>
-                                        <p:strVal val="visible"/>
-                                      </p:to>
-                                    </p:set>
-                                    <p:anim calcmode="lin" valueType="num">
-                                      <p:cBhvr>
-                                        <p:cTn id="22" dur="250" fill="hold"/>
-                                        <p:tgtEl>
-                                          <p:spTgt spid="9"/>
-                                        </p:tgtEl>
-                                        <p:attrNameLst>
-                                          <p:attrName>ppt_w</p:attrName>
-                                        </p:attrNameLst>
-                                      </p:cBhvr>
-                                      <p:tavLst>
-                                        <p:tav tm="0">
-                                          <p:val>
-                                            <p:fltVal val="0"/>
-                                          </p:val>
-                                        </p:tav>
-                                        <p:tav tm="100000">
-                                          <p:val>
-                                            <p:strVal val="#ppt_w"/>
-                                          </p:val>
-                                        </p:tav>
-                                      </p:tavLst>
-                                    </p:anim>
-                                    <p:anim calcmode="lin" valueType="num">
-                                      <p:cBhvr>
-                                        <p:cTn id="23" dur="250" fill="hold"/>
-                                        <p:tgtEl>
-                                          <p:spTgt spid="9"/>
-                                        </p:tgtEl>
-                                        <p:attrNameLst>
-                                          <p:attrName>ppt_h</p:attrName>
-                                        </p:attrNameLst>
-                                      </p:cBhvr>
-                                      <p:tavLst>
-                                        <p:tav tm="0">
-                                          <p:val>
-                                            <p:fltVal val="0"/>
-                                          </p:val>
-                                        </p:tav>
-                                        <p:tav tm="100000">
-                                          <p:val>
-                                            <p:strVal val="#ppt_h"/>
-                                          </p:val>
-                                        </p:tav>
-                                      </p:tavLst>
-                                    </p:anim>
-                                  </p:childTnLst>
-                                </p:cTn>
-                              </p:par>
-                            </p:childTnLst>
-                          </p:cTn>
-                        </p:par>
-                        <p:par>
-                          <p:cTn id="24" fill="hold">
-                            <p:stCondLst>
-                              <p:cond delay="1000"/>
-                            </p:stCondLst>
-                            <p:childTnLst>
-                              <p:par>
-                                <p:cTn id="25" presetID="23" presetClass="entr" presetSubtype="16" fill="hold" nodeType="afterEffect">
-                                  <p:stCondLst>
-                                    <p:cond delay="0"/>
-                                  </p:stCondLst>
-                                  <p:childTnLst>
-                                    <p:set>
-                                      <p:cBhvr>
-                                        <p:cTn id="26" dur="1" fill="hold">
-                                          <p:stCondLst>
-                                            <p:cond delay="0"/>
-                                          </p:stCondLst>
-                                        </p:cTn>
-                                        <p:tgtEl>
-                                          <p:spTgt spid="10"/>
-                                        </p:tgtEl>
-                                        <p:attrNameLst>
-                                          <p:attrName>style.visibility</p:attrName>
-                                        </p:attrNameLst>
-                                      </p:cBhvr>
-                                      <p:to>
-                                        <p:strVal val="visible"/>
-                                      </p:to>
-                                    </p:set>
-                                    <p:anim calcmode="lin" valueType="num">
-                                      <p:cBhvr>
-                                        <p:cTn id="27" dur="250" fill="hold"/>
-                                        <p:tgtEl>
-                                          <p:spTgt spid="10"/>
-                                        </p:tgtEl>
-                                        <p:attrNameLst>
-                                          <p:attrName>ppt_w</p:attrName>
-                                        </p:attrNameLst>
-                                      </p:cBhvr>
-                                      <p:tavLst>
-                                        <p:tav tm="0">
-                                          <p:val>
-                                            <p:fltVal val="0"/>
-                                          </p:val>
-                                        </p:tav>
-                                        <p:tav tm="100000">
-                                          <p:val>
-                                            <p:strVal val="#ppt_w"/>
-                                          </p:val>
-                                        </p:tav>
-                                      </p:tavLst>
-                                    </p:anim>
-                                    <p:anim calcmode="lin" valueType="num">
-                                      <p:cBhvr>
-                                        <p:cTn id="28" dur="250" fill="hold"/>
-                                        <p:tgtEl>
-                                          <p:spTgt spid="10"/>
-                                        </p:tgtEl>
-                                        <p:attrNameLst>
-                                          <p:attrName>ppt_h</p:attrName>
-                                        </p:attrNameLst>
-                                      </p:cBhvr>
-                                      <p:tavLst>
-                                        <p:tav tm="0">
-                                          <p:val>
-                                            <p:fltVal val="0"/>
-                                          </p:val>
-                                        </p:tav>
-                                        <p:tav tm="100000">
-                                          <p:val>
-                                            <p:strVal val="#ppt_h"/>
-                                          </p:val>
-                                        </p:tav>
-                                      </p:tavLst>
-                                    </p:anim>
-                                  </p:childTnLst>
-                                </p:cTn>
-                              </p:par>
-                            </p:childTnLst>
-                          </p:cTn>
-                        </p:par>
-                        <p:par>
-                          <p:cTn id="29" fill="hold">
-                            <p:stCondLst>
-                              <p:cond delay="1250"/>
-                            </p:stCondLst>
-                            <p:childTnLst>
-                              <p:par>
-                                <p:cTn id="30" presetID="23" presetClass="entr" presetSubtype="16" fill="hold" nodeType="afterEffect">
-                                  <p:stCondLst>
-                                    <p:cond delay="0"/>
-                                  </p:stCondLst>
-                                  <p:childTnLst>
-                                    <p:set>
-                                      <p:cBhvr>
-                                        <p:cTn id="31" dur="1" fill="hold">
-                                          <p:stCondLst>
-                                            <p:cond delay="0"/>
-                                          </p:stCondLst>
-                                        </p:cTn>
-                                        <p:tgtEl>
-                                          <p:spTgt spid="11"/>
-                                        </p:tgtEl>
-                                        <p:attrNameLst>
-                                          <p:attrName>style.visibility</p:attrName>
-                                        </p:attrNameLst>
-                                      </p:cBhvr>
-                                      <p:to>
-                                        <p:strVal val="visible"/>
-                                      </p:to>
-                                    </p:set>
-                                    <p:anim calcmode="lin" valueType="num">
-                                      <p:cBhvr>
-                                        <p:cTn id="32" dur="250" fill="hold"/>
-                                        <p:tgtEl>
-                                          <p:spTgt spid="11"/>
-                                        </p:tgtEl>
-                                        <p:attrNameLst>
-                                          <p:attrName>ppt_w</p:attrName>
-                                        </p:attrNameLst>
-                                      </p:cBhvr>
-                                      <p:tavLst>
-                                        <p:tav tm="0">
-                                          <p:val>
-                                            <p:fltVal val="0"/>
-                                          </p:val>
-                                        </p:tav>
-                                        <p:tav tm="100000">
-                                          <p:val>
-                                            <p:strVal val="#ppt_w"/>
-                                          </p:val>
-                                        </p:tav>
-                                      </p:tavLst>
-                                    </p:anim>
-                                    <p:anim calcmode="lin" valueType="num">
-                                      <p:cBhvr>
-                                        <p:cTn id="33" dur="250" fill="hold"/>
-                                        <p:tgtEl>
-                                          <p:spTgt spid="11"/>
-                                        </p:tgtEl>
-                                        <p:attrNameLst>
-                                          <p:attrName>ppt_h</p:attrName>
-                                        </p:attrNameLst>
-                                      </p:cBhvr>
-                                      <p:tavLst>
-                                        <p:tav tm="0">
-                                          <p:val>
-                                            <p:fltVal val="0"/>
-                                          </p:val>
-                                        </p:tav>
-                                        <p:tav tm="100000">
-                                          <p:val>
-                                            <p:strVal val="#ppt_h"/>
-                                          </p:val>
-                                        </p:tav>
-                                      </p:tavLst>
-                                    </p:anim>
-                                  </p:childTnLst>
-                                </p:cTn>
-                              </p:par>
-                            </p:childTnLst>
-                          </p:cTn>
-                        </p:par>
-                      </p:childTnLst>
-                    </p:cTn>
-                  </p:par>
-                </p:childTnLst>
-              </p:cTn>
-              <p:prevCondLst>
-                <p:cond evt="onPrev" delay="0">
-                  <p:tgtEl>
-                    <p:sldTgt/>
-                  </p:tgtEl>
-                </p:cond>
-              </p:prevCondLst>
-              <p:nextCondLst>
-                <p:cond evt="onNext" delay="0">
-                  <p:tgtEl>
-                    <p:sldTgt/>
-                  </p:tgtEl>
-                </p:cond>
-              </p:nextCondLst>
-            </p:seq>
-          </p:childTnLst>
-        </p:cTn>
-      </p:par>
-    </p:tnLst>
-  </p:timing>
-</p:sld>
-</file>
-
-<file path=ppt/slides/slide5.xml><?xml version="1.0" encoding="utf-8"?>
-<p:sld xmlns:a="http://schemas.openxmlformats.org/drawingml/2006/main" xmlns:r="http://schemas.openxmlformats.org/officeDocument/2006/relationships" xmlns:p="http://schemas.openxmlformats.org/presentationml/2006/main">
-  <p:cSld>
-    <p:spTree>
-      <p:nvGrpSpPr>
-        <p:cNvPr id="1" name=""/>
-        <p:cNvGrpSpPr/>
-        <p:nvPr/>
-      </p:nvGrpSpPr>
-      <p:grpSpPr>
-        <a:xfrm>
-          <a:off x="0" y="0"/>
-          <a:ext cx="0" cy="0"/>
-          <a:chOff x="0" y="0"/>
-          <a:chExt cx="0" cy="0"/>
-        </a:xfrm>
-      </p:grpSpPr>
-      <p:sp>
-        <p:nvSpPr>
-          <p:cNvPr id="4" name="TextBox 3">
-            <a:extLst>
-              <a:ext uri="{FF2B5EF4-FFF2-40B4-BE49-F238E27FC236}">
                 <a16:creationId xmlns:a16="http://schemas.microsoft.com/office/drawing/2014/main" id="{98DFDAE1-AB0F-BF49-A687-BD90C2942E98}"/>
               </a:ext>
             </a:extLst>
@@ -11177,7 +11340,7 @@
 </p:sld>
 </file>
 
-<file path=ppt/slides/slide6.xml><?xml version="1.0" encoding="utf-8"?>
+<file path=ppt/slides/slide4.xml><?xml version="1.0" encoding="utf-8"?>
 <p:sld xmlns:a="http://schemas.openxmlformats.org/drawingml/2006/main" xmlns:r="http://schemas.openxmlformats.org/officeDocument/2006/relationships" xmlns:p="http://schemas.openxmlformats.org/presentationml/2006/main">
   <p:cSld>
     <p:spTree>
@@ -11581,4 +11744,299 @@
     </a:ext>
   </a:extLst>
 </a:theme>
+</file>
+
+<file path=ppt/theme/theme2.xml><?xml version="1.0" encoding="utf-8"?>
+<a:theme xmlns:a="http://schemas.openxmlformats.org/drawingml/2006/main" name="Office Theme">
+  <a:themeElements>
+    <a:clrScheme name="Office">
+      <a:dk1>
+        <a:sysClr val="windowText" lastClr="000000"/>
+      </a:dk1>
+      <a:lt1>
+        <a:sysClr val="window" lastClr="FFFFFF"/>
+      </a:lt1>
+      <a:dk2>
+        <a:srgbClr val="44546A"/>
+      </a:dk2>
+      <a:lt2>
+        <a:srgbClr val="E7E6E6"/>
+      </a:lt2>
+      <a:accent1>
+        <a:srgbClr val="4472C4"/>
+      </a:accent1>
+      <a:accent2>
+        <a:srgbClr val="ED7D31"/>
+      </a:accent2>
+      <a:accent3>
+        <a:srgbClr val="A5A5A5"/>
+      </a:accent3>
+      <a:accent4>
+        <a:srgbClr val="FFC000"/>
+      </a:accent4>
+      <a:accent5>
+        <a:srgbClr val="5B9BD5"/>
+      </a:accent5>
+      <a:accent6>
+        <a:srgbClr val="70AD47"/>
+      </a:accent6>
+      <a:hlink>
+        <a:srgbClr val="0563C1"/>
+      </a:hlink>
+      <a:folHlink>
+        <a:srgbClr val="954F72"/>
+      </a:folHlink>
+    </a:clrScheme>
+    <a:fontScheme name="Office">
+      <a:majorFont>
+        <a:latin typeface="Calibri Light" panose="020F0302020204030204"/>
+        <a:ea typeface=""/>
+        <a:cs typeface=""/>
+        <a:font script="Jpan" typeface="游ゴシック Light"/>
+        <a:font script="Hang" typeface="맑은 고딕"/>
+        <a:font script="Hans" typeface="等线 Light"/>
+        <a:font script="Hant" typeface="新細明體"/>
+        <a:font script="Arab" typeface="Times New Roman"/>
+        <a:font script="Hebr" typeface="Times New Roman"/>
+        <a:font script="Thai" typeface="Angsana New"/>
+        <a:font script="Ethi" typeface="Nyala"/>
+        <a:font script="Beng" typeface="Vrinda"/>
+        <a:font script="Gujr" typeface="Shruti"/>
+        <a:font script="Khmr" typeface="MoolBoran"/>
+        <a:font script="Knda" typeface="Tunga"/>
+        <a:font script="Guru" typeface="Raavi"/>
+        <a:font script="Cans" typeface="Euphemia"/>
+        <a:font script="Cher" typeface="Plantagenet Cherokee"/>
+        <a:font script="Yiii" typeface="Microsoft Yi Baiti"/>
+        <a:font script="Tibt" typeface="Microsoft Himalaya"/>
+        <a:font script="Thaa" typeface="MV Boli"/>
+        <a:font script="Deva" typeface="Mangal"/>
+        <a:font script="Telu" typeface="Gautami"/>
+        <a:font script="Taml" typeface="Latha"/>
+        <a:font script="Syrc" typeface="Estrangelo Edessa"/>
+        <a:font script="Orya" typeface="Kalinga"/>
+        <a:font script="Mlym" typeface="Kartika"/>
+        <a:font script="Laoo" typeface="DokChampa"/>
+        <a:font script="Sinh" typeface="Iskoola Pota"/>
+        <a:font script="Mong" typeface="Mongolian Baiti"/>
+        <a:font script="Viet" typeface="Times New Roman"/>
+        <a:font script="Uigh" typeface="Microsoft Uighur"/>
+        <a:font script="Geor" typeface="Sylfaen"/>
+        <a:font script="Armn" typeface="Arial"/>
+        <a:font script="Bugi" typeface="Leelawadee UI"/>
+        <a:font script="Bopo" typeface="Microsoft JhengHei"/>
+        <a:font script="Java" typeface="Javanese Text"/>
+        <a:font script="Lisu" typeface="Segoe UI"/>
+        <a:font script="Mymr" typeface="Myanmar Text"/>
+        <a:font script="Nkoo" typeface="Ebrima"/>
+        <a:font script="Olck" typeface="Nirmala UI"/>
+        <a:font script="Osma" typeface="Ebrima"/>
+        <a:font script="Phag" typeface="Phagspa"/>
+        <a:font script="Syrn" typeface="Estrangelo Edessa"/>
+        <a:font script="Syrj" typeface="Estrangelo Edessa"/>
+        <a:font script="Syre" typeface="Estrangelo Edessa"/>
+        <a:font script="Sora" typeface="Nirmala UI"/>
+        <a:font script="Tale" typeface="Microsoft Tai Le"/>
+        <a:font script="Talu" typeface="Microsoft New Tai Lue"/>
+        <a:font script="Tfng" typeface="Ebrima"/>
+      </a:majorFont>
+      <a:minorFont>
+        <a:latin typeface="Calibri" panose="020F0502020204030204"/>
+        <a:ea typeface=""/>
+        <a:cs typeface=""/>
+        <a:font script="Jpan" typeface="游ゴシック"/>
+        <a:font script="Hang" typeface="맑은 고딕"/>
+        <a:font script="Hans" typeface="等线"/>
+        <a:font script="Hant" typeface="新細明體"/>
+        <a:font script="Arab" typeface="Arial"/>
+        <a:font script="Hebr" typeface="Arial"/>
+        <a:font script="Thai" typeface="Cordia New"/>
+        <a:font script="Ethi" typeface="Nyala"/>
+        <a:font script="Beng" typeface="Vrinda"/>
+        <a:font script="Gujr" typeface="Shruti"/>
+        <a:font script="Khmr" typeface="DaunPenh"/>
+        <a:font script="Knda" typeface="Tunga"/>
+        <a:font script="Guru" typeface="Raavi"/>
+        <a:font script="Cans" typeface="Euphemia"/>
+        <a:font script="Cher" typeface="Plantagenet Cherokee"/>
+        <a:font script="Yiii" typeface="Microsoft Yi Baiti"/>
+        <a:font script="Tibt" typeface="Microsoft Himalaya"/>
+        <a:font script="Thaa" typeface="MV Boli"/>
+        <a:font script="Deva" typeface="Mangal"/>
+        <a:font script="Telu" typeface="Gautami"/>
+        <a:font script="Taml" typeface="Latha"/>
+        <a:font script="Syrc" typeface="Estrangelo Edessa"/>
+        <a:font script="Orya" typeface="Kalinga"/>
+        <a:font script="Mlym" typeface="Kartika"/>
+        <a:font script="Laoo" typeface="DokChampa"/>
+        <a:font script="Sinh" typeface="Iskoola Pota"/>
+        <a:font script="Mong" typeface="Mongolian Baiti"/>
+        <a:font script="Viet" typeface="Arial"/>
+        <a:font script="Uigh" typeface="Microsoft Uighur"/>
+        <a:font script="Geor" typeface="Sylfaen"/>
+        <a:font script="Armn" typeface="Arial"/>
+        <a:font script="Bugi" typeface="Leelawadee UI"/>
+        <a:font script="Bopo" typeface="Microsoft JhengHei"/>
+        <a:font script="Java" typeface="Javanese Text"/>
+        <a:font script="Lisu" typeface="Segoe UI"/>
+        <a:font script="Mymr" typeface="Myanmar Text"/>
+        <a:font script="Nkoo" typeface="Ebrima"/>
+        <a:font script="Olck" typeface="Nirmala UI"/>
+        <a:font script="Osma" typeface="Ebrima"/>
+        <a:font script="Phag" typeface="Phagspa"/>
+        <a:font script="Syrn" typeface="Estrangelo Edessa"/>
+        <a:font script="Syrj" typeface="Estrangelo Edessa"/>
+        <a:font script="Syre" typeface="Estrangelo Edessa"/>
+        <a:font script="Sora" typeface="Nirmala UI"/>
+        <a:font script="Tale" typeface="Microsoft Tai Le"/>
+        <a:font script="Talu" typeface="Microsoft New Tai Lue"/>
+        <a:font script="Tfng" typeface="Ebrima"/>
+      </a:minorFont>
+    </a:fontScheme>
+    <a:fmtScheme name="Office">
+      <a:fillStyleLst>
+        <a:solidFill>
+          <a:schemeClr val="phClr"/>
+        </a:solidFill>
+        <a:gradFill rotWithShape="1">
+          <a:gsLst>
+            <a:gs pos="0">
+              <a:schemeClr val="phClr">
+                <a:lumMod val="110000"/>
+                <a:satMod val="105000"/>
+                <a:tint val="67000"/>
+              </a:schemeClr>
+            </a:gs>
+            <a:gs pos="50000">
+              <a:schemeClr val="phClr">
+                <a:lumMod val="105000"/>
+                <a:satMod val="103000"/>
+                <a:tint val="73000"/>
+              </a:schemeClr>
+            </a:gs>
+            <a:gs pos="100000">
+              <a:schemeClr val="phClr">
+                <a:lumMod val="105000"/>
+                <a:satMod val="109000"/>
+                <a:tint val="81000"/>
+              </a:schemeClr>
+            </a:gs>
+          </a:gsLst>
+          <a:lin ang="5400000" scaled="0"/>
+        </a:gradFill>
+        <a:gradFill rotWithShape="1">
+          <a:gsLst>
+            <a:gs pos="0">
+              <a:schemeClr val="phClr">
+                <a:satMod val="103000"/>
+                <a:lumMod val="102000"/>
+                <a:tint val="94000"/>
+              </a:schemeClr>
+            </a:gs>
+            <a:gs pos="50000">
+              <a:schemeClr val="phClr">
+                <a:satMod val="110000"/>
+                <a:lumMod val="100000"/>
+                <a:shade val="100000"/>
+              </a:schemeClr>
+            </a:gs>
+            <a:gs pos="100000">
+              <a:schemeClr val="phClr">
+                <a:lumMod val="99000"/>
+                <a:satMod val="120000"/>
+                <a:shade val="78000"/>
+              </a:schemeClr>
+            </a:gs>
+          </a:gsLst>
+          <a:lin ang="5400000" scaled="0"/>
+        </a:gradFill>
+      </a:fillStyleLst>
+      <a:lnStyleLst>
+        <a:ln w="6350" cap="flat" cmpd="sng" algn="ctr">
+          <a:solidFill>
+            <a:schemeClr val="phClr"/>
+          </a:solidFill>
+          <a:prstDash val="solid"/>
+          <a:miter lim="800000"/>
+        </a:ln>
+        <a:ln w="12700" cap="flat" cmpd="sng" algn="ctr">
+          <a:solidFill>
+            <a:schemeClr val="phClr"/>
+          </a:solidFill>
+          <a:prstDash val="solid"/>
+          <a:miter lim="800000"/>
+        </a:ln>
+        <a:ln w="19050" cap="flat" cmpd="sng" algn="ctr">
+          <a:solidFill>
+            <a:schemeClr val="phClr"/>
+          </a:solidFill>
+          <a:prstDash val="solid"/>
+          <a:miter lim="800000"/>
+        </a:ln>
+      </a:lnStyleLst>
+      <a:effectStyleLst>
+        <a:effectStyle>
+          <a:effectLst/>
+        </a:effectStyle>
+        <a:effectStyle>
+          <a:effectLst/>
+        </a:effectStyle>
+        <a:effectStyle>
+          <a:effectLst>
+            <a:outerShdw blurRad="57150" dist="19050" dir="5400000" algn="ctr" rotWithShape="0">
+              <a:srgbClr val="000000">
+                <a:alpha val="63000"/>
+              </a:srgbClr>
+            </a:outerShdw>
+          </a:effectLst>
+        </a:effectStyle>
+      </a:effectStyleLst>
+      <a:bgFillStyleLst>
+        <a:solidFill>
+          <a:schemeClr val="phClr"/>
+        </a:solidFill>
+        <a:solidFill>
+          <a:schemeClr val="phClr">
+            <a:tint val="95000"/>
+            <a:satMod val="170000"/>
+          </a:schemeClr>
+        </a:solidFill>
+        <a:gradFill rotWithShape="1">
+          <a:gsLst>
+            <a:gs pos="0">
+              <a:schemeClr val="phClr">
+                <a:tint val="93000"/>
+                <a:satMod val="150000"/>
+                <a:shade val="98000"/>
+                <a:lumMod val="102000"/>
+              </a:schemeClr>
+            </a:gs>
+            <a:gs pos="50000">
+              <a:schemeClr val="phClr">
+                <a:tint val="98000"/>
+                <a:satMod val="130000"/>
+                <a:shade val="90000"/>
+                <a:lumMod val="103000"/>
+              </a:schemeClr>
+            </a:gs>
+            <a:gs pos="100000">
+              <a:schemeClr val="phClr">
+                <a:shade val="63000"/>
+                <a:satMod val="120000"/>
+              </a:schemeClr>
+            </a:gs>
+          </a:gsLst>
+          <a:lin ang="5400000" scaled="0"/>
+        </a:gradFill>
+      </a:bgFillStyleLst>
+    </a:fmtScheme>
+  </a:themeElements>
+  <a:objectDefaults/>
+  <a:extraClrSchemeLst/>
+  <a:extLst>
+    <a:ext uri="{05A4C25C-085E-4340-85A3-A5531E510DB2}">
+      <thm15:themeFamily xmlns:thm15="http://schemas.microsoft.com/office/thememl/2012/main" name="Office Theme" id="{62F939B6-93AF-4DB8-9C6B-D6C7DFDC589F}" vid="{4A3C46E8-61CC-4603-A589-7422A47A8E4A}"/>
+    </a:ext>
+  </a:extLst>
+</a:theme>
 </file>